--- a/solutions/azure/ai/document-intelligence/delivery/closeout-presentation.pptx
+++ b/solutions/azure/ai/document-intelligence/delivery/closeout-presentation.pptx
@@ -14,36 +14,6 @@
     <p:sldId id="259" r:id="rId5"/>
     <p:sldId id="260" r:id="rId4"/>
     <p:sldId id="261" r:id="rId3"/>
-    <p:sldId id="262" r:id="rId2"/>
-    <p:sldId id="263" r:id="rId14"/>
-    <p:sldId id="264" r:id="rId15"/>
-    <p:sldId id="265" r:id="rId16"/>
-    <p:sldId id="266" r:id="rId17"/>
-    <p:sldId id="267" r:id="rId18"/>
-    <p:sldId id="268" r:id="rId19"/>
-    <p:sldId id="269" r:id="rId20"/>
-    <p:sldId id="270" r:id="rId21"/>
-    <p:sldId id="271" r:id="rId22"/>
-    <p:sldId id="272" r:id="rId23"/>
-    <p:sldId id="273" r:id="rId24"/>
-    <p:sldId id="274" r:id="rId25"/>
-    <p:sldId id="275" r:id="rId26"/>
-    <p:sldId id="276" r:id="rId27"/>
-    <p:sldId id="277" r:id="rId28"/>
-    <p:sldId id="278" r:id="rId29"/>
-    <p:sldId id="279" r:id="rId30"/>
-    <p:sldId id="280" r:id="rId31"/>
-    <p:sldId id="281" r:id="rId32"/>
-    <p:sldId id="282" r:id="rId33"/>
-    <p:sldId id="283" r:id="rId34"/>
-    <p:sldId id="284" r:id="rId35"/>
-    <p:sldId id="285" r:id="rId36"/>
-    <p:sldId id="286" r:id="rId37"/>
-    <p:sldId id="287" r:id="rId38"/>
-    <p:sldId id="288" r:id="rId39"/>
-    <p:sldId id="289" r:id="rId40"/>
-    <p:sldId id="290" r:id="rId41"/>
-    <p:sldId id="291" r:id="rId42"/>
   </p:sldIdLst>
   <p:sldSz cx="9144000" cy="5143500" type="screen16x9"/>
   <p:notesSz cx="5143500" cy="9144000"/>
@@ -3260,7 +3230,7 @@
 </p:sld>
 </file>
 
-<file path=ppt/slides/slide10.xml><?xml version="1.0" encoding="utf-8"?>
+<file path=ppt/slides/slide2.xml><?xml version="1.0" encoding="utf-8"?>
 <p:sld xmlns:a="http://schemas.openxmlformats.org/drawingml/2006/main" xmlns:p="http://schemas.openxmlformats.org/presentationml/2006/main" xmlns:r="http://schemas.openxmlformats.org/officeDocument/2006/relationships">
   <p:cSld>
     <p:spTree>
@@ -3285,244 +3255,10 @@
           <a:bodyPr/>
           <a:lstStyle/>
           <a:p>
-            <a:r>
-              <a:t>**Slide 10: Go-Live Results**</a:t>
-            </a:r>
-          </a:p>
-        </p:txBody>
-      </p:sp>
-      <p:sp>
-        <p:nvSpPr>
-          <p:cNvPr id="3" name="Picture Placeholder 2"/>
-          <p:cNvSpPr>
-            <a:spLocks noGrp="1"/>
-          </p:cNvSpPr>
-          <p:nvPr>
-            <p:ph type="pic" idx="13" sz="quarter"/>
-          </p:nvPr>
-        </p:nvSpPr>
-        <p:spPr/>
-      </p:sp>
-      <p:sp>
-        <p:nvSpPr>
-          <p:cNvPr id="4" name="Text Placeholder 3"/>
-          <p:cNvSpPr>
-            <a:spLocks noGrp="1"/>
-          </p:cNvSpPr>
-          <p:nvPr>
-            <p:ph type="body" idx="14" sz="quarter"/>
-          </p:nvPr>
-        </p:nvSpPr>
-        <p:spPr/>
-        <p:txBody>
-          <a:bodyPr/>
-          <a:lstStyle/>
-          <a:p>
-            <a:pPr/>
-            <a:r>
-              <a:rPr b="1"/>
-              <a:t>Deployment Success:</a:t>
-            </a:r>
-            <a:r>
-              <a:t> Seamless production rollout with zero downtime</a:t>
-            </a:r>
-          </a:p>
-          <a:p>
-            <a:pPr/>
-            <a:r>
-              <a:rPr b="1"/>
-              <a:t>AI Model Performance:</a:t>
-            </a:r>
-            <a:r>
-              <a:t> Exceeded accuracy targets from day one</a:t>
-            </a:r>
-          </a:p>
-          <a:p>
-            <a:pPr/>
-            <a:r>
-              <a:rPr b="1"/>
-              <a:t>User Adoption:</a:t>
-            </a:r>
-            <a:r>
-              <a:t> 95% user satisfaction with automated processing</a:t>
-            </a:r>
-          </a:p>
-          <a:p>
-            <a:pPr/>
-            <a:r>
-              <a:rPr b="1"/>
-              <a:t>Document Processing Volume:</a:t>
-            </a:r>
-            <a:r>
-              <a:t> 300% increase in processed documents</a:t>
-            </a:r>
-          </a:p>
-          <a:p>
-            <a:pPr/>
-            <a:r>
-              <a:rPr b="1"/>
-              <a:t>Business Process Integration:</a:t>
-            </a:r>
-            <a:r>
-              <a:t> Complete integration with existing ERP systems</a:t>
-            </a:r>
-          </a:p>
-        </p:txBody>
-      </p:sp>
-    </p:spTree>
-  </p:cSld>
-  <p:clrMapOvr>
-    <a:masterClrMapping/>
-  </p:clrMapOvr>
-</p:sld>
-</file>
-
-<file path=ppt/slides/slide11.xml><?xml version="1.0" encoding="utf-8"?>
-<p:sld xmlns:a="http://schemas.openxmlformats.org/drawingml/2006/main" xmlns:p="http://schemas.openxmlformats.org/presentationml/2006/main" xmlns:r="http://schemas.openxmlformats.org/officeDocument/2006/relationships">
-  <p:cSld>
-    <p:spTree>
-      <p:nvGrpSpPr>
-        <p:cNvPr id="1" name=""/>
-        <p:cNvGrpSpPr/>
-        <p:nvPr/>
-      </p:nvGrpSpPr>
-      <p:grpSpPr/>
-      <p:sp>
-        <p:nvSpPr>
-          <p:cNvPr id="2" name="Text Placeholder 1"/>
-          <p:cNvSpPr>
-            <a:spLocks noGrp="1"/>
-          </p:cNvSpPr>
-          <p:nvPr>
-            <p:ph type="body" idx="10" sz="quarter"/>
-          </p:nvPr>
-        </p:nvSpPr>
-        <p:spPr/>
-        <p:txBody>
-          <a:bodyPr/>
-          <a:lstStyle/>
-          <a:p>
-            <a:r>
-              <a:t>**Slide 11: Training and Knowledge Transfer**</a:t>
-            </a:r>
-          </a:p>
-        </p:txBody>
-      </p:sp>
-      <p:sp>
-        <p:nvSpPr>
-          <p:cNvPr id="3" name="Picture Placeholder 2"/>
-          <p:cNvSpPr>
-            <a:spLocks noGrp="1"/>
-          </p:cNvSpPr>
-          <p:nvPr>
-            <p:ph type="pic" idx="13" sz="quarter"/>
-          </p:nvPr>
-        </p:nvSpPr>
-        <p:spPr/>
-      </p:sp>
-      <p:sp>
-        <p:nvSpPr>
-          <p:cNvPr id="4" name="Text Placeholder 3"/>
-          <p:cNvSpPr>
-            <a:spLocks noGrp="1"/>
-          </p:cNvSpPr>
-          <p:nvPr>
-            <p:ph type="body" idx="14" sz="quarter"/>
-          </p:nvPr>
-        </p:nvSpPr>
-        <p:spPr/>
-        <p:txBody>
-          <a:bodyPr/>
-          <a:lstStyle/>
-          <a:p>
-            <a:pPr/>
-            <a:r>
-              <a:rPr b="1"/>
-              <a:t>AI Solution Training:</a:t>
-            </a:r>
-            <a:r>
-              <a:t> Comprehensive training on Azure Document Intelligence capabilities</a:t>
-            </a:r>
-          </a:p>
-          <a:p>
-            <a:pPr/>
-            <a:r>
-              <a:rPr b="1"/>
-              <a:t>Model Management Training:</a:t>
-            </a:r>
-            <a:r>
-              <a:t> Training on model retraining and optimization</a:t>
-            </a:r>
-          </a:p>
-          <a:p>
-            <a:pPr/>
-            <a:r>
-              <a:rPr b="1"/>
-              <a:t>User Adoption Programs:</a:t>
-            </a:r>
-            <a:r>
-              <a:t> End-user training on new automated workflows</a:t>
-            </a:r>
-          </a:p>
-          <a:p>
-            <a:pPr/>
-            <a:r>
-              <a:rPr b="1"/>
-              <a:t>Technical Documentation:</a:t>
-            </a:r>
-            <a:r>
-              <a:t> Complete API documentation and integration guides</a:t>
-            </a:r>
-          </a:p>
-          <a:p>
-            <a:pPr/>
-            <a:r>
-              <a:rPr b="1"/>
-              <a:t>Support Model:</a:t>
-            </a:r>
-            <a:r>
-              <a:t> Established AI operations and monitoring procedures</a:t>
-            </a:r>
-          </a:p>
-        </p:txBody>
-      </p:sp>
-    </p:spTree>
-  </p:cSld>
-  <p:clrMapOvr>
-    <a:masterClrMapping/>
-  </p:clrMapOvr>
-</p:sld>
-</file>
-
-<file path=ppt/slides/slide12.xml><?xml version="1.0" encoding="utf-8"?>
-<p:sld xmlns:a="http://schemas.openxmlformats.org/drawingml/2006/main" xmlns:p="http://schemas.openxmlformats.org/presentationml/2006/main" xmlns:r="http://schemas.openxmlformats.org/officeDocument/2006/relationships">
-  <p:cSld>
-    <p:spTree>
-      <p:nvGrpSpPr>
-        <p:cNvPr id="1" name=""/>
-        <p:cNvGrpSpPr/>
-        <p:nvPr/>
-      </p:nvGrpSpPr>
-      <p:grpSpPr/>
-      <p:sp>
-        <p:nvSpPr>
-          <p:cNvPr id="2" name="Text Placeholder 1"/>
-          <p:cNvSpPr>
-            <a:spLocks noGrp="1"/>
-          </p:cNvSpPr>
-          <p:nvPr>
-            <p:ph type="body" idx="10" sz="quarter"/>
-          </p:nvPr>
-        </p:nvSpPr>
-        <p:spPr/>
-        <p:txBody>
-          <a:bodyPr/>
-          <a:lstStyle/>
-          <a:p>
             <a:pPr algn="l"/>
             <a:r>
               <a:rPr b="1"/>
-              <a:t>**Slide 12: Business Value Delivered Through AI**</a:t>
+              <a:t>**Slide 4: Azure Document Intelligence Scope Delivered**</a:t>
             </a:r>
           </a:p>
         </p:txBody>
@@ -3578,7 +3314,7 @@
                             <a:srgbClr val="FFFFFF"/>
                           </a:solidFill>
                         </a:rPr>
-                        <a:t>Benefit Category</a:t>
+                        <a:t>Scope Element</a:t>
                       </a:r>
                     </a:p>
                   </a:txBody>
@@ -3599,7 +3335,7 @@
                             <a:srgbClr val="FFFFFF"/>
                           </a:solidFill>
                         </a:rPr>
-                        <a:t>Target</a:t>
+                        <a:t>Planned</a:t>
                       </a:r>
                     </a:p>
                   </a:txBody>
@@ -3620,7 +3356,7 @@
                             <a:srgbClr val="FFFFFF"/>
                           </a:solidFill>
                         </a:rPr>
-                        <a:t>Achieved</a:t>
+                        <a:t>Delivered</a:t>
                       </a:r>
                     </a:p>
                   </a:txBody>
@@ -3641,7 +3377,7 @@
                             <a:srgbClr val="FFFFFF"/>
                           </a:solidFill>
                         </a:rPr>
-                        <a:t>Measurement Method</a:t>
+                        <a:t>Status</a:t>
                       </a:r>
                     </a:p>
                   </a:txBody>
@@ -3662,7 +3398,7 @@
                             <a:srgbClr val="FFFFFF"/>
                           </a:solidFill>
                         </a:rPr>
-                        <a:t>Timeline to Full Benefit</a:t>
+                        <a:t>Notes</a:t>
                       </a:r>
                     </a:p>
                   </a:txBody>
@@ -3681,75 +3417,75 @@
                     <a:p>
                       <a:r>
                         <a:rPr sz="1100"/>
-                        <a:t>Processing Cost Reduction</a:t>
-                      </a:r>
-                    </a:p>
-                  </a:txBody>
-                  <a:tcPr>
-                    <a:solidFill>
-                      <a:srgbClr val="E7E6E6"/>
-                    </a:solidFill>
-                  </a:tcPr>
-                </a:tc>
-                <a:tc>
-                  <a:txBody>
-                    <a:bodyPr/>
-                    <a:lstStyle/>
-                    <a:p>
-                      <a:r>
-                        <a:rPr sz="1100"/>
-                        <a:t>60% cost savings</a:t>
-                      </a:r>
-                    </a:p>
-                  </a:txBody>
-                  <a:tcPr>
-                    <a:solidFill>
-                      <a:srgbClr val="E7E6E6"/>
-                    </a:solidFill>
-                  </a:tcPr>
-                </a:tc>
-                <a:tc>
-                  <a:txBody>
-                    <a:bodyPr/>
-                    <a:lstStyle/>
-                    <a:p>
-                      <a:r>
-                        <a:rPr sz="1100"/>
-                        <a:t>72% actual savings</a:t>
-                      </a:r>
-                    </a:p>
-                  </a:txBody>
-                  <a:tcPr>
-                    <a:solidFill>
-                      <a:srgbClr val="E7E6E6"/>
-                    </a:solidFill>
-                  </a:tcPr>
-                </a:tc>
-                <a:tc>
-                  <a:txBody>
-                    <a:bodyPr/>
-                    <a:lstStyle/>
-                    <a:p>
-                      <a:r>
-                        <a:rPr sz="1100"/>
-                        <a:t>Cost per document processed</a:t>
-                      </a:r>
-                    </a:p>
-                  </a:txBody>
-                  <a:tcPr>
-                    <a:solidFill>
-                      <a:srgbClr val="E7E6E6"/>
-                    </a:solidFill>
-                  </a:tcPr>
-                </a:tc>
-                <a:tc>
-                  <a:txBody>
-                    <a:bodyPr/>
-                    <a:lstStyle/>
-                    <a:p>
-                      <a:r>
-                        <a:rPr sz="1100"/>
-                        <a:t>Immediate</a:t>
+                        <a:t>Form Recognition Models</a:t>
+                      </a:r>
+                    </a:p>
+                  </a:txBody>
+                  <a:tcPr>
+                    <a:solidFill>
+                      <a:srgbClr val="E7E6E6"/>
+                    </a:solidFill>
+                  </a:tcPr>
+                </a:tc>
+                <a:tc>
+                  <a:txBody>
+                    <a:bodyPr/>
+                    <a:lstStyle/>
+                    <a:p>
+                      <a:r>
+                        <a:rPr sz="1100"/>
+                        <a:t>Custom models for invoices, receipts</a:t>
+                      </a:r>
+                    </a:p>
+                  </a:txBody>
+                  <a:tcPr>
+                    <a:solidFill>
+                      <a:srgbClr val="E7E6E6"/>
+                    </a:solidFill>
+                  </a:tcPr>
+                </a:tc>
+                <a:tc>
+                  <a:txBody>
+                    <a:bodyPr/>
+                    <a:lstStyle/>
+                    <a:p>
+                      <a:r>
+                        <a:rPr sz="1100"/>
+                        <a:t>Deployed and trained models</a:t>
+                      </a:r>
+                    </a:p>
+                  </a:txBody>
+                  <a:tcPr>
+                    <a:solidFill>
+                      <a:srgbClr val="E7E6E6"/>
+                    </a:solidFill>
+                  </a:tcPr>
+                </a:tc>
+                <a:tc>
+                  <a:txBody>
+                    <a:bodyPr/>
+                    <a:lstStyle/>
+                    <a:p>
+                      <a:r>
+                        <a:rPr sz="1100"/>
+                        <a:t>✅ Complete</a:t>
+                      </a:r>
+                    </a:p>
+                  </a:txBody>
+                  <a:tcPr>
+                    <a:solidFill>
+                      <a:srgbClr val="E7E6E6"/>
+                    </a:solidFill>
+                  </a:tcPr>
+                </a:tc>
+                <a:tc>
+                  <a:txBody>
+                    <a:bodyPr/>
+                    <a:lstStyle/>
+                    <a:p>
+                      <a:r>
+                        <a:rPr sz="1100"/>
+                        <a:t>Achieved 96% accuracy</a:t>
                       </a:r>
                     </a:p>
                   </a:txBody>
@@ -3768,75 +3504,75 @@
                     <a:p>
                       <a:r>
                         <a:rPr sz="1100"/>
-                        <a:t>Processing Speed Improvement</a:t>
-                      </a:r>
-                    </a:p>
-                  </a:txBody>
-                  <a:tcPr>
-                    <a:solidFill>
-                      <a:srgbClr val="E7E6E6"/>
-                    </a:solidFill>
-                  </a:tcPr>
-                </a:tc>
-                <a:tc>
-                  <a:txBody>
-                    <a:bodyPr/>
-                    <a:lstStyle/>
-                    <a:p>
-                      <a:r>
-                        <a:rPr sz="1100"/>
-                        <a:t>10x faster processing</a:t>
-                      </a:r>
-                    </a:p>
-                  </a:txBody>
-                  <a:tcPr>
-                    <a:solidFill>
-                      <a:srgbClr val="E7E6E6"/>
-                    </a:solidFill>
-                  </a:tcPr>
-                </a:tc>
-                <a:tc>
-                  <a:txBody>
-                    <a:bodyPr/>
-                    <a:lstStyle/>
-                    <a:p>
-                      <a:r>
-                        <a:rPr sz="1100"/>
-                        <a:t>15x actual improvement</a:t>
-                      </a:r>
-                    </a:p>
-                  </a:txBody>
-                  <a:tcPr>
-                    <a:solidFill>
-                      <a:srgbClr val="E7E6E6"/>
-                    </a:solidFill>
-                  </a:tcPr>
-                </a:tc>
-                <a:tc>
-                  <a:txBody>
-                    <a:bodyPr/>
-                    <a:lstStyle/>
-                    <a:p>
-                      <a:r>
-                        <a:rPr sz="1100"/>
-                        <a:t>Documents per hour</a:t>
-                      </a:r>
-                    </a:p>
-                  </a:txBody>
-                  <a:tcPr>
-                    <a:solidFill>
-                      <a:srgbClr val="E7E6E6"/>
-                    </a:solidFill>
-                  </a:tcPr>
-                </a:tc>
-                <a:tc>
-                  <a:txBody>
-                    <a:bodyPr/>
-                    <a:lstStyle/>
-                    <a:p>
-                      <a:r>
-                        <a:rPr sz="1100"/>
-                        <a:t>Immediate</a:t>
+                        <a:t>API Integration</a:t>
+                      </a:r>
+                    </a:p>
+                  </a:txBody>
+                  <a:tcPr>
+                    <a:solidFill>
+                      <a:srgbClr val="E7E6E6"/>
+                    </a:solidFill>
+                  </a:tcPr>
+                </a:tc>
+                <a:tc>
+                  <a:txBody>
+                    <a:bodyPr/>
+                    <a:lstStyle/>
+                    <a:p>
+                      <a:r>
+                        <a:rPr sz="1100"/>
+                        <a:t>RESTful API for document processing</a:t>
+                      </a:r>
+                    </a:p>
+                  </a:txBody>
+                  <a:tcPr>
+                    <a:solidFill>
+                      <a:srgbClr val="E7E6E6"/>
+                    </a:solidFill>
+                  </a:tcPr>
+                </a:tc>
+                <a:tc>
+                  <a:txBody>
+                    <a:bodyPr/>
+                    <a:lstStyle/>
+                    <a:p>
+                      <a:r>
+                        <a:rPr sz="1100"/>
+                        <a:t>Full integration with existing systems</a:t>
+                      </a:r>
+                    </a:p>
+                  </a:txBody>
+                  <a:tcPr>
+                    <a:solidFill>
+                      <a:srgbClr val="E7E6E6"/>
+                    </a:solidFill>
+                  </a:tcPr>
+                </a:tc>
+                <a:tc>
+                  <a:txBody>
+                    <a:bodyPr/>
+                    <a:lstStyle/>
+                    <a:p>
+                      <a:r>
+                        <a:rPr sz="1100"/>
+                        <a:t>✅ Complete</a:t>
+                      </a:r>
+                    </a:p>
+                  </a:txBody>
+                  <a:tcPr>
+                    <a:solidFill>
+                      <a:srgbClr val="E7E6E6"/>
+                    </a:solidFill>
+                  </a:tcPr>
+                </a:tc>
+                <a:tc>
+                  <a:txBody>
+                    <a:bodyPr/>
+                    <a:lstStyle/>
+                    <a:p>
+                      <a:r>
+                        <a:rPr sz="1100"/>
+                        <a:t>Real-time processing enabled</a:t>
                       </a:r>
                     </a:p>
                   </a:txBody>
@@ -3855,75 +3591,75 @@
                     <a:p>
                       <a:r>
                         <a:rPr sz="1100"/>
-                        <a:t>Accuracy Improvement</a:t>
-                      </a:r>
-                    </a:p>
-                  </a:txBody>
-                  <a:tcPr>
-                    <a:solidFill>
-                      <a:srgbClr val="E7E6E6"/>
-                    </a:solidFill>
-                  </a:tcPr>
-                </a:tc>
-                <a:tc>
-                  <a:txBody>
-                    <a:bodyPr/>
-                    <a:lstStyle/>
-                    <a:p>
-                      <a:r>
-                        <a:rPr sz="1100"/>
-                        <a:t>95% accuracy target</a:t>
-                      </a:r>
-                    </a:p>
-                  </a:txBody>
-                  <a:tcPr>
-                    <a:solidFill>
-                      <a:srgbClr val="E7E6E6"/>
-                    </a:solidFill>
-                  </a:tcPr>
-                </a:tc>
-                <a:tc>
-                  <a:txBody>
-                    <a:bodyPr/>
-                    <a:lstStyle/>
-                    <a:p>
-                      <a:r>
-                        <a:rPr sz="1100"/>
-                        <a:t>96.2% achieved accuracy</a:t>
-                      </a:r>
-                    </a:p>
-                  </a:txBody>
-                  <a:tcPr>
-                    <a:solidFill>
-                      <a:srgbClr val="E7E6E6"/>
-                    </a:solidFill>
-                  </a:tcPr>
-                </a:tc>
-                <a:tc>
-                  <a:txBody>
-                    <a:bodyPr/>
-                    <a:lstStyle/>
-                    <a:p>
-                      <a:r>
-                        <a:rPr sz="1100"/>
-                        <a:t>Error rate reduction</a:t>
-                      </a:r>
-                    </a:p>
-                  </a:txBody>
-                  <a:tcPr>
-                    <a:solidFill>
-                      <a:srgbClr val="E7E6E6"/>
-                    </a:solidFill>
-                  </a:tcPr>
-                </a:tc>
-                <a:tc>
-                  <a:txBody>
-                    <a:bodyPr/>
-                    <a:lstStyle/>
-                    <a:p>
-                      <a:r>
-                        <a:rPr sz="1100"/>
-                        <a:t>Immediate</a:t>
+                        <a:t>Cognitive Services Integration</a:t>
+                      </a:r>
+                    </a:p>
+                  </a:txBody>
+                  <a:tcPr>
+                    <a:solidFill>
+                      <a:srgbClr val="E7E6E6"/>
+                    </a:solidFill>
+                  </a:tcPr>
+                </a:tc>
+                <a:tc>
+                  <a:txBody>
+                    <a:bodyPr/>
+                    <a:lstStyle/>
+                    <a:p>
+                      <a:r>
+                        <a:rPr sz="1100"/>
+                        <a:t>Text extraction and analysis</a:t>
+                      </a:r>
+                    </a:p>
+                  </a:txBody>
+                  <a:tcPr>
+                    <a:solidFill>
+                      <a:srgbClr val="E7E6E6"/>
+                    </a:solidFill>
+                  </a:tcPr>
+                </a:tc>
+                <a:tc>
+                  <a:txBody>
+                    <a:bodyPr/>
+                    <a:lstStyle/>
+                    <a:p>
+                      <a:r>
+                        <a:rPr sz="1100"/>
+                        <a:t>Complete OCR and NLP capabilities</a:t>
+                      </a:r>
+                    </a:p>
+                  </a:txBody>
+                  <a:tcPr>
+                    <a:solidFill>
+                      <a:srgbClr val="E7E6E6"/>
+                    </a:solidFill>
+                  </a:tcPr>
+                </a:tc>
+                <a:tc>
+                  <a:txBody>
+                    <a:bodyPr/>
+                    <a:lstStyle/>
+                    <a:p>
+                      <a:r>
+                        <a:rPr sz="1100"/>
+                        <a:t>✅ Complete</a:t>
+                      </a:r>
+                    </a:p>
+                  </a:txBody>
+                  <a:tcPr>
+                    <a:solidFill>
+                      <a:srgbClr val="E7E6E6"/>
+                    </a:solidFill>
+                  </a:tcPr>
+                </a:tc>
+                <a:tc>
+                  <a:txBody>
+                    <a:bodyPr/>
+                    <a:lstStyle/>
+                    <a:p>
+                      <a:r>
+                        <a:rPr sz="1100"/>
+                        <a:t>Multi-language support included</a:t>
                       </a:r>
                     </a:p>
                   </a:txBody>
@@ -3942,7 +3678,7 @@
                     <a:p>
                       <a:r>
                         <a:rPr b="1" sz="1100"/>
-                        <a:t>Staff Productivity</a:t>
+                        <a:t>Azure Security Implementation</a:t>
                       </a:r>
                     </a:p>
                   </a:txBody>
@@ -3959,7 +3695,7 @@
                     <a:p>
                       <a:r>
                         <a:rPr b="1" sz="1100"/>
-                        <a:t>50% productivity gain</a:t>
+                        <a:t>Data protection and compliance</a:t>
                       </a:r>
                     </a:p>
                   </a:txBody>
@@ -3976,7 +3712,7 @@
                     <a:p>
                       <a:r>
                         <a:rPr b="1" sz="1100"/>
-                        <a:t>65% actual gain</a:t>
+                        <a:t>End-to-end security with Azure Key Vault</a:t>
                       </a:r>
                     </a:p>
                   </a:txBody>
@@ -3993,7 +3729,7 @@
                     <a:p>
                       <a:r>
                         <a:rPr b="1" sz="1100"/>
-                        <a:t>Hours saved per week</a:t>
+                        <a:t>✅ Complete</a:t>
                       </a:r>
                     </a:p>
                   </a:txBody>
@@ -4010,7 +3746,7 @@
                     <a:p>
                       <a:r>
                         <a:rPr b="1" sz="1100"/>
-                        <a:t>3 months</a:t>
+                        <a:t>GDPR and SOC 2 compliant</a:t>
                       </a:r>
                     </a:p>
                   </a:txBody>
@@ -4033,7 +3769,7 @@
 </p:sld>
 </file>
 
-<file path=ppt/slides/slide13.xml><?xml version="1.0" encoding="utf-8"?>
+<file path=ppt/slides/slide3.xml><?xml version="1.0" encoding="utf-8"?>
 <p:sld xmlns:a="http://schemas.openxmlformats.org/drawingml/2006/main" xmlns:p="http://schemas.openxmlformats.org/presentationml/2006/main" xmlns:r="http://schemas.openxmlformats.org/officeDocument/2006/relationships">
   <p:cSld>
     <p:spTree>
@@ -4058,1305 +3794,10 @@
           <a:bodyPr/>
           <a:lstStyle/>
           <a:p>
-            <a:r>
-              <a:t>**Slide 13: AI ROI Analysis**</a:t>
-            </a:r>
-          </a:p>
-        </p:txBody>
-      </p:sp>
-      <p:sp>
-        <p:nvSpPr>
-          <p:cNvPr id="3" name="Picture Placeholder 2"/>
-          <p:cNvSpPr>
-            <a:spLocks noGrp="1"/>
-          </p:cNvSpPr>
-          <p:nvPr>
-            <p:ph type="pic" idx="14" sz="quarter"/>
-          </p:nvPr>
-        </p:nvSpPr>
-        <p:spPr/>
-      </p:sp>
-      <p:sp>
-        <p:nvSpPr>
-          <p:cNvPr id="4" name="Chart Placeholder 3"/>
-          <p:cNvSpPr>
-            <a:spLocks noGrp="1"/>
-          </p:cNvSpPr>
-          <p:nvPr>
-            <p:ph type="chart" idx="15" sz="quarter"/>
-          </p:nvPr>
-        </p:nvSpPr>
-        <p:spPr/>
-      </p:sp>
-      <p:sp>
-        <p:nvSpPr>
-          <p:cNvPr id="5" name="Content Placeholder 4"/>
-          <p:cNvSpPr>
-            <a:spLocks noGrp="1"/>
-          </p:cNvSpPr>
-          <p:nvPr>
-            <p:ph idx="16" sz="quarter"/>
-          </p:nvPr>
-        </p:nvSpPr>
-        <p:spPr/>
-        <p:txBody>
-          <a:bodyPr/>
-          <a:lstStyle/>
-          <a:p/>
-        </p:txBody>
-      </p:sp>
-    </p:spTree>
-  </p:cSld>
-  <p:clrMapOvr>
-    <a:masterClrMapping/>
-  </p:clrMapOvr>
-</p:sld>
-</file>
-
-<file path=ppt/slides/slide14.xml><?xml version="1.0" encoding="utf-8"?>
-<p:sld xmlns:a="http://schemas.openxmlformats.org/drawingml/2006/main" xmlns:p="http://schemas.openxmlformats.org/presentationml/2006/main" xmlns:r="http://schemas.openxmlformats.org/officeDocument/2006/relationships">
-  <p:cSld>
-    <p:spTree>
-      <p:nvGrpSpPr>
-        <p:cNvPr id="1" name=""/>
-        <p:cNvGrpSpPr/>
-        <p:nvPr/>
-      </p:nvGrpSpPr>
-      <p:grpSpPr/>
-      <p:sp>
-        <p:nvSpPr>
-          <p:cNvPr id="2" name="Text Placeholder 1"/>
-          <p:cNvSpPr>
-            <a:spLocks noGrp="1"/>
-          </p:cNvSpPr>
-          <p:nvPr>
-            <p:ph type="body" idx="10" sz="quarter"/>
-          </p:nvPr>
-        </p:nvSpPr>
-        <p:spPr/>
-        <p:txBody>
-          <a:bodyPr/>
-          <a:lstStyle/>
-          <a:p>
-            <a:r>
-              <a:t>**Slide 14: Operational AI Improvements**</a:t>
-            </a:r>
-          </a:p>
-        </p:txBody>
-      </p:sp>
-      <p:sp>
-        <p:nvSpPr>
-          <p:cNvPr id="3" name="Picture Placeholder 2"/>
-          <p:cNvSpPr>
-            <a:spLocks noGrp="1"/>
-          </p:cNvSpPr>
-          <p:nvPr>
-            <p:ph type="pic" idx="13" sz="quarter"/>
-          </p:nvPr>
-        </p:nvSpPr>
-        <p:spPr/>
-      </p:sp>
-      <p:sp>
-        <p:nvSpPr>
-          <p:cNvPr id="4" name="Text Placeholder 3"/>
-          <p:cNvSpPr>
-            <a:spLocks noGrp="1"/>
-          </p:cNvSpPr>
-          <p:nvPr>
-            <p:ph type="body" idx="14" sz="quarter"/>
-          </p:nvPr>
-        </p:nvSpPr>
-        <p:spPr/>
-        <p:txBody>
-          <a:bodyPr/>
-          <a:lstStyle/>
-          <a:p>
-            <a:pPr/>
-            <a:r>
-              <a:rPr b="1"/>
-              <a:t>Document Processing Efficiency:</a:t>
-            </a:r>
-            <a:r>
-              <a:t> 15x faster than manual processing</a:t>
-            </a:r>
-          </a:p>
-          <a:p>
-            <a:pPr/>
-            <a:r>
-              <a:rPr b="1"/>
-              <a:t>Staff Productivity:</a:t>
-            </a:r>
-            <a:r>
-              <a:t> 65% increase in value-added work time</a:t>
-            </a:r>
-          </a:p>
-          <a:p>
-            <a:pPr/>
-            <a:r>
-              <a:rPr b="1"/>
-              <a:t>Data Quality:</a:t>
-            </a:r>
-            <a:r>
-              <a:t> 99.2% accuracy in extracted data vs. 85% manual accuracy</a:t>
-            </a:r>
-          </a:p>
-          <a:p>
-            <a:pPr/>
-            <a:r>
-              <a:rPr b="1"/>
-              <a:t>Compliance:</a:t>
-            </a:r>
-            <a:r>
-              <a:t> Automated audit trails and GDPR compliance</a:t>
-            </a:r>
-          </a:p>
-          <a:p>
-            <a:pPr/>
-            <a:r>
-              <a:rPr b="1"/>
-              <a:t>Customer Experience:</a:t>
-            </a:r>
-            <a:r>
-              <a:t> Real-time document processing for faster service</a:t>
-            </a:r>
-          </a:p>
-        </p:txBody>
-      </p:sp>
-    </p:spTree>
-  </p:cSld>
-  <p:clrMapOvr>
-    <a:masterClrMapping/>
-  </p:clrMapOvr>
-</p:sld>
-</file>
-
-<file path=ppt/slides/slide15.xml><?xml version="1.0" encoding="utf-8"?>
-<p:sld xmlns:a="http://schemas.openxmlformats.org/drawingml/2006/main" xmlns:p="http://schemas.openxmlformats.org/presentationml/2006/main" xmlns:r="http://schemas.openxmlformats.org/officeDocument/2006/relationships">
-  <p:cSld>
-    <p:spTree>
-      <p:nvGrpSpPr>
-        <p:cNvPr id="1" name=""/>
-        <p:cNvGrpSpPr/>
-        <p:nvPr/>
-      </p:nvGrpSpPr>
-      <p:grpSpPr/>
-      <p:sp>
-        <p:nvSpPr>
-          <p:cNvPr id="2" name="Text Placeholder 1"/>
-          <p:cNvSpPr>
-            <a:spLocks noGrp="1"/>
-          </p:cNvSpPr>
-          <p:nvPr>
-            <p:ph type="body" idx="10" sz="quarter"/>
-          </p:nvPr>
-        </p:nvSpPr>
-        <p:spPr/>
-        <p:txBody>
-          <a:bodyPr/>
-          <a:lstStyle/>
-          <a:p>
-            <a:r>
-              <a:t>**Slide 15: Strategic AI Value**</a:t>
-            </a:r>
-          </a:p>
-        </p:txBody>
-      </p:sp>
-      <p:sp>
-        <p:nvSpPr>
-          <p:cNvPr id="3" name="Picture Placeholder 2"/>
-          <p:cNvSpPr>
-            <a:spLocks noGrp="1"/>
-          </p:cNvSpPr>
-          <p:nvPr>
-            <p:ph type="pic" idx="13" sz="quarter"/>
-          </p:nvPr>
-        </p:nvSpPr>
-        <p:spPr/>
-      </p:sp>
-      <p:sp>
-        <p:nvSpPr>
-          <p:cNvPr id="4" name="Text Placeholder 3"/>
-          <p:cNvSpPr>
-            <a:spLocks noGrp="1"/>
-          </p:cNvSpPr>
-          <p:nvPr>
-            <p:ph type="body" idx="14" sz="quarter"/>
-          </p:nvPr>
-        </p:nvSpPr>
-        <p:spPr/>
-        <p:txBody>
-          <a:bodyPr/>
-          <a:lstStyle/>
-          <a:p>
-            <a:pPr/>
-            <a:r>
-              <a:rPr b="1"/>
-              <a:t>Digital Transformation:</a:t>
-            </a:r>
-            <a:r>
-              <a:t> Foundation for enterprise AI adoption</a:t>
-            </a:r>
-          </a:p>
-          <a:p>
-            <a:pPr/>
-            <a:r>
-              <a:rPr b="1"/>
-              <a:t>Competitive Advantage:</a:t>
-            </a:r>
-            <a:r>
-              <a:t> First-to-market with automated document processing</a:t>
-            </a:r>
-          </a:p>
-          <a:p>
-            <a:pPr/>
-            <a:r>
-              <a:rPr b="1"/>
-              <a:t>Innovation Platform:</a:t>
-            </a:r>
-            <a:r>
-              <a:t> Azure AI ecosystem ready for additional use cases</a:t>
-            </a:r>
-          </a:p>
-          <a:p>
-            <a:pPr/>
-            <a:r>
-              <a:rPr b="1"/>
-              <a:t>Organizational AI Capability:</a:t>
-            </a:r>
-            <a:r>
-              <a:t> Established AI/ML expertise and processes</a:t>
-            </a:r>
-          </a:p>
-          <a:p>
-            <a:pPr/>
-            <a:r>
-              <a:rPr b="1"/>
-              <a:t>Scalability Foundation:</a:t>
-            </a:r>
-            <a:r>
-              <a:t> Cloud-native architecture ready for growth</a:t>
-            </a:r>
-          </a:p>
-        </p:txBody>
-      </p:sp>
-    </p:spTree>
-  </p:cSld>
-  <p:clrMapOvr>
-    <a:masterClrMapping/>
-  </p:clrMapOvr>
-</p:sld>
-</file>
-
-<file path=ppt/slides/slide16.xml><?xml version="1.0" encoding="utf-8"?>
-<p:sld xmlns:a="http://schemas.openxmlformats.org/drawingml/2006/main" xmlns:p="http://schemas.openxmlformats.org/presentationml/2006/main" xmlns:r="http://schemas.openxmlformats.org/officeDocument/2006/relationships">
-  <p:cSld>
-    <p:spTree>
-      <p:nvGrpSpPr>
-        <p:cNvPr id="1" name=""/>
-        <p:cNvGrpSpPr/>
-        <p:nvPr/>
-      </p:nvGrpSpPr>
-      <p:grpSpPr/>
-      <p:sp>
-        <p:nvSpPr>
-          <p:cNvPr id="2" name="Text Placeholder 1"/>
-          <p:cNvSpPr>
-            <a:spLocks noGrp="1"/>
-          </p:cNvSpPr>
-          <p:nvPr>
-            <p:ph type="body" idx="10" sz="quarter"/>
-          </p:nvPr>
-        </p:nvSpPr>
-        <p:spPr/>
-        <p:txBody>
-          <a:bodyPr/>
-          <a:lstStyle/>
-          <a:p>
-            <a:r>
-              <a:t>**Slide 16: What Went Well**</a:t>
-            </a:r>
-          </a:p>
-        </p:txBody>
-      </p:sp>
-      <p:sp>
-        <p:nvSpPr>
-          <p:cNvPr id="3" name="Picture Placeholder 2"/>
-          <p:cNvSpPr>
-            <a:spLocks noGrp="1"/>
-          </p:cNvSpPr>
-          <p:nvPr>
-            <p:ph type="pic" idx="13" sz="quarter"/>
-          </p:nvPr>
-        </p:nvSpPr>
-        <p:spPr/>
-      </p:sp>
-      <p:sp>
-        <p:nvSpPr>
-          <p:cNvPr id="4" name="Text Placeholder 3"/>
-          <p:cNvSpPr>
-            <a:spLocks noGrp="1"/>
-          </p:cNvSpPr>
-          <p:nvPr>
-            <p:ph type="body" idx="14" sz="quarter"/>
-          </p:nvPr>
-        </p:nvSpPr>
-        <p:spPr/>
-        <p:txBody>
-          <a:bodyPr/>
-          <a:lstStyle/>
-          <a:p>
-            <a:pPr/>
-            <a:r>
-              <a:rPr b="1"/>
-              <a:t>Azure AI Service Selection:</a:t>
-            </a:r>
-            <a:r>
-              <a:t> Document Intelligence perfectly matched use case requirements</a:t>
-            </a:r>
-          </a:p>
-          <a:p>
-            <a:pPr/>
-            <a:r>
-              <a:rPr b="1"/>
-              <a:t>Model Training Approach:</a:t>
-            </a:r>
-            <a:r>
-              <a:t> Iterative training with domain-specific data yielded excellent results</a:t>
-            </a:r>
-          </a:p>
-          <a:p>
-            <a:pPr/>
-            <a:r>
-              <a:rPr b="1"/>
-              <a:t>Cross-Functional Collaboration:</a:t>
-            </a:r>
-            <a:r>
-              <a:t> Strong partnership between AI specialists and business users</a:t>
-            </a:r>
-          </a:p>
-          <a:p>
-            <a:pPr/>
-            <a:r>
-              <a:rPr b="1"/>
-              <a:t>Azure Integration:</a:t>
-            </a:r>
-            <a:r>
-              <a:t> Seamless integration with existing Azure infrastructure</a:t>
-            </a:r>
-          </a:p>
-          <a:p>
-            <a:pPr/>
-            <a:r>
-              <a:rPr b="1"/>
-              <a:t>Change Management:</a:t>
-            </a:r>
-            <a:r>
-              <a:t> Proactive user engagement and training drove high adoption</a:t>
-            </a:r>
-          </a:p>
-        </p:txBody>
-      </p:sp>
-    </p:spTree>
-  </p:cSld>
-  <p:clrMapOvr>
-    <a:masterClrMapping/>
-  </p:clrMapOvr>
-</p:sld>
-</file>
-
-<file path=ppt/slides/slide17.xml><?xml version="1.0" encoding="utf-8"?>
-<p:sld xmlns:a="http://schemas.openxmlformats.org/drawingml/2006/main" xmlns:p="http://schemas.openxmlformats.org/presentationml/2006/main" xmlns:r="http://schemas.openxmlformats.org/officeDocument/2006/relationships">
-  <p:cSld>
-    <p:spTree>
-      <p:nvGrpSpPr>
-        <p:cNvPr id="1" name=""/>
-        <p:cNvGrpSpPr/>
-        <p:nvPr/>
-      </p:nvGrpSpPr>
-      <p:grpSpPr/>
-      <p:sp>
-        <p:nvSpPr>
-          <p:cNvPr id="2" name="Text Placeholder 1"/>
-          <p:cNvSpPr>
-            <a:spLocks noGrp="1"/>
-          </p:cNvSpPr>
-          <p:nvPr>
-            <p:ph type="body" idx="10" sz="quarter"/>
-          </p:nvPr>
-        </p:nvSpPr>
-        <p:spPr/>
-        <p:txBody>
-          <a:bodyPr/>
-          <a:lstStyle/>
-          <a:p>
             <a:pPr algn="l"/>
             <a:r>
               <a:rPr b="1"/>
-              <a:t>**Slide 17: AI Implementation Challenges Overcome**</a:t>
-            </a:r>
-          </a:p>
-        </p:txBody>
-      </p:sp>
-      <p:sp>
-        <p:nvSpPr>
-          <p:cNvPr id="3" name="Picture Placeholder 2"/>
-          <p:cNvSpPr>
-            <a:spLocks noGrp="1"/>
-          </p:cNvSpPr>
-          <p:nvPr>
-            <p:ph type="pic" idx="13" sz="quarter"/>
-          </p:nvPr>
-        </p:nvSpPr>
-        <p:spPr/>
-      </p:sp>
-      <p:graphicFrame>
-        <p:nvGraphicFramePr>
-          <p:cNvPr id="4" name="Table Placeholder 3"/>
-          <p:cNvGraphicFramePr>
-            <a:graphicFrameLocks noGrp="1"/>
-          </p:cNvGraphicFramePr>
-          <p:nvPr>
-            <p:ph type="tbl" idx="14" sz="quarter"/>
-          </p:nvPr>
-        </p:nvGraphicFramePr>
-        <p:xfrm>
-          <a:off x="256855" y="677011"/>
-          <a:ext cx="8710930" cy="1483360"/>
-        </p:xfrm>
-        <a:graphic>
-          <a:graphicData uri="http://schemas.openxmlformats.org/drawingml/2006/table">
-            <a:tbl>
-              <a:tblPr firstRow="1" bandRow="1">
-                <a:tableStyleId>{5C22544A-7EE6-4342-B048-85BDC9FD1C3A}</a:tableStyleId>
-              </a:tblPr>
-              <a:tblGrid>
-                <a:gridCol w="1045311"/>
-                <a:gridCol w="2177733"/>
-                <a:gridCol w="1045311"/>
-                <a:gridCol w="4442575"/>
-              </a:tblGrid>
-              <a:tr h="370840">
-                <a:tc>
-                  <a:txBody>
-                    <a:bodyPr/>
-                    <a:lstStyle/>
-                    <a:p>
-                      <a:r>
-                        <a:rPr b="1" sz="1400">
-                          <a:solidFill>
-                            <a:srgbClr val="FFFFFF"/>
-                          </a:solidFill>
-                        </a:rPr>
-                        <a:t>Challenge</a:t>
-                      </a:r>
-                    </a:p>
-                  </a:txBody>
-                  <a:tcPr>
-                    <a:solidFill>
-                      <a:srgbClr val="A01C02"/>
-                    </a:solidFill>
-                  </a:tcPr>
-                </a:tc>
-                <a:tc>
-                  <a:txBody>
-                    <a:bodyPr/>
-                    <a:lstStyle/>
-                    <a:p>
-                      <a:r>
-                        <a:rPr b="1" sz="1400">
-                          <a:solidFill>
-                            <a:srgbClr val="FFFFFF"/>
-                          </a:solidFill>
-                        </a:rPr>
-                        <a:t>Impact</a:t>
-                      </a:r>
-                    </a:p>
-                  </a:txBody>
-                  <a:tcPr>
-                    <a:solidFill>
-                      <a:srgbClr val="A01C02"/>
-                    </a:solidFill>
-                  </a:tcPr>
-                </a:tc>
-                <a:tc>
-                  <a:txBody>
-                    <a:bodyPr/>
-                    <a:lstStyle/>
-                    <a:p>
-                      <a:r>
-                        <a:rPr b="1" sz="1400">
-                          <a:solidFill>
-                            <a:srgbClr val="FFFFFF"/>
-                          </a:solidFill>
-                        </a:rPr>
-                        <a:t>Resolution</a:t>
-                      </a:r>
-                    </a:p>
-                  </a:txBody>
-                  <a:tcPr>
-                    <a:solidFill>
-                      <a:srgbClr val="A01C02"/>
-                    </a:solidFill>
-                  </a:tcPr>
-                </a:tc>
-                <a:tc>
-                  <a:txBody>
-                    <a:bodyPr/>
-                    <a:lstStyle/>
-                    <a:p>
-                      <a:r>
-                        <a:rPr b="1" sz="1400">
-                          <a:solidFill>
-                            <a:srgbClr val="FFFFFF"/>
-                          </a:solidFill>
-                        </a:rPr>
-                        <a:t>Prevention for Future</a:t>
-                      </a:r>
-                    </a:p>
-                  </a:txBody>
-                  <a:tcPr>
-                    <a:solidFill>
-                      <a:srgbClr val="A01C02"/>
-                    </a:solidFill>
-                  </a:tcPr>
-                </a:tc>
-              </a:tr>
-              <a:tr h="370840">
-                <a:tc>
-                  <a:txBody>
-                    <a:bodyPr/>
-                    <a:lstStyle/>
-                    <a:p>
-                      <a:r>
-                        <a:rPr sz="1100"/>
-                        <a:t>Model Training Data Quality</a:t>
-                      </a:r>
-                    </a:p>
-                  </a:txBody>
-                  <a:tcPr>
-                    <a:solidFill>
-                      <a:srgbClr val="E7E6E6"/>
-                    </a:solidFill>
-                  </a:tcPr>
-                </a:tc>
-                <a:tc>
-                  <a:txBody>
-                    <a:bodyPr/>
-                    <a:lstStyle/>
-                    <a:p>
-                      <a:r>
-                        <a:rPr sz="1100"/>
-                        <a:t>Initial accuracy below target</a:t>
-                      </a:r>
-                    </a:p>
-                  </a:txBody>
-                  <a:tcPr>
-                    <a:solidFill>
-                      <a:srgbClr val="E7E6E6"/>
-                    </a:solidFill>
-                  </a:tcPr>
-                </a:tc>
-                <a:tc>
-                  <a:txBody>
-                    <a:bodyPr/>
-                    <a:lstStyle/>
-                    <a:p>
-                      <a:r>
-                        <a:rPr sz="1100"/>
-                        <a:t>Curated high-quality training dataset</a:t>
-                      </a:r>
-                    </a:p>
-                  </a:txBody>
-                  <a:tcPr>
-                    <a:solidFill>
-                      <a:srgbClr val="E7E6E6"/>
-                    </a:solidFill>
-                  </a:tcPr>
-                </a:tc>
-                <a:tc>
-                  <a:txBody>
-                    <a:bodyPr/>
-                    <a:lstStyle/>
-                    <a:p>
-                      <a:r>
-                        <a:rPr sz="1100"/>
-                        <a:t>Establish data quality standards</a:t>
-                      </a:r>
-                    </a:p>
-                  </a:txBody>
-                  <a:tcPr>
-                    <a:solidFill>
-                      <a:srgbClr val="E7E6E6"/>
-                    </a:solidFill>
-                  </a:tcPr>
-                </a:tc>
-              </a:tr>
-              <a:tr h="370840">
-                <a:tc>
-                  <a:txBody>
-                    <a:bodyPr/>
-                    <a:lstStyle/>
-                    <a:p>
-                      <a:r>
-                        <a:rPr sz="1100"/>
-                        <a:t>User Change Resistance</a:t>
-                      </a:r>
-                    </a:p>
-                  </a:txBody>
-                  <a:tcPr>
-                    <a:solidFill>
-                      <a:srgbClr val="E7E6E6"/>
-                    </a:solidFill>
-                  </a:tcPr>
-                </a:tc>
-                <a:tc>
-                  <a:txBody>
-                    <a:bodyPr/>
-                    <a:lstStyle/>
-                    <a:p>
-                      <a:r>
-                        <a:rPr sz="1100"/>
-                        <a:t>Slow initial adoption</a:t>
-                      </a:r>
-                    </a:p>
-                  </a:txBody>
-                  <a:tcPr>
-                    <a:solidFill>
-                      <a:srgbClr val="E7E6E6"/>
-                    </a:solidFill>
-                  </a:tcPr>
-                </a:tc>
-                <a:tc>
-                  <a:txBody>
-                    <a:bodyPr/>
-                    <a:lstStyle/>
-                    <a:p>
-                      <a:r>
-                        <a:rPr sz="1100"/>
-                        <a:t>Comprehensive training and benefits demonstration</a:t>
-                      </a:r>
-                    </a:p>
-                  </a:txBody>
-                  <a:tcPr>
-                    <a:solidFill>
-                      <a:srgbClr val="E7E6E6"/>
-                    </a:solidFill>
-                  </a:tcPr>
-                </a:tc>
-                <a:tc>
-                  <a:txBody>
-                    <a:bodyPr/>
-                    <a:lstStyle/>
-                    <a:p>
-                      <a:r>
-                        <a:rPr sz="1100"/>
-                        <a:t>Early user engagement in AI projects</a:t>
-                      </a:r>
-                    </a:p>
-                  </a:txBody>
-                  <a:tcPr>
-                    <a:solidFill>
-                      <a:srgbClr val="E7E6E6"/>
-                    </a:solidFill>
-                  </a:tcPr>
-                </a:tc>
-              </a:tr>
-              <a:tr h="370840">
-                <a:tc>
-                  <a:txBody>
-                    <a:bodyPr/>
-                    <a:lstStyle/>
-                    <a:p>
-                      <a:r>
-                        <a:rPr b="1" sz="1100"/>
-                        <a:t>API Rate Limiting</a:t>
-                      </a:r>
-                    </a:p>
-                  </a:txBody>
-                  <a:tcPr>
-                    <a:solidFill>
-                      <a:srgbClr val="E7E6E6"/>
-                    </a:solidFill>
-                  </a:tcPr>
-                </a:tc>
-                <a:tc>
-                  <a:txBody>
-                    <a:bodyPr/>
-                    <a:lstStyle/>
-                    <a:p>
-                      <a:r>
-                        <a:rPr b="1" sz="1100"/>
-                        <a:t>Processing bottlenecks during peak loads</a:t>
-                      </a:r>
-                    </a:p>
-                  </a:txBody>
-                  <a:tcPr>
-                    <a:solidFill>
-                      <a:srgbClr val="E7E6E6"/>
-                    </a:solidFill>
-                  </a:tcPr>
-                </a:tc>
-                <a:tc>
-                  <a:txBody>
-                    <a:bodyPr/>
-                    <a:lstStyle/>
-                    <a:p>
-                      <a:r>
-                        <a:rPr b="1" sz="1100"/>
-                        <a:t>Implemented intelligent batching and retry logic</a:t>
-                      </a:r>
-                    </a:p>
-                  </a:txBody>
-                  <a:tcPr>
-                    <a:solidFill>
-                      <a:srgbClr val="E7E6E6"/>
-                    </a:solidFill>
-                  </a:tcPr>
-                </a:tc>
-                <a:tc>
-                  <a:txBody>
-                    <a:bodyPr/>
-                    <a:lstStyle/>
-                    <a:p>
-                      <a:r>
-                        <a:rPr b="1" sz="1100"/>
-                        <a:t>Design for Azure service limits from start</a:t>
-                      </a:r>
-                    </a:p>
-                  </a:txBody>
-                  <a:tcPr>
-                    <a:solidFill>
-                      <a:srgbClr val="E7E6E6"/>
-                    </a:solidFill>
-                  </a:tcPr>
-                </a:tc>
-              </a:tr>
-            </a:tbl>
-          </a:graphicData>
-        </a:graphic>
-      </p:graphicFrame>
-    </p:spTree>
-  </p:cSld>
-  <p:clrMapOvr>
-    <a:masterClrMapping/>
-  </p:clrMapOvr>
-</p:sld>
-</file>
-
-<file path=ppt/slides/slide18.xml><?xml version="1.0" encoding="utf-8"?>
-<p:sld xmlns:a="http://schemas.openxmlformats.org/drawingml/2006/main" xmlns:p="http://schemas.openxmlformats.org/presentationml/2006/main" xmlns:r="http://schemas.openxmlformats.org/officeDocument/2006/relationships">
-  <p:cSld>
-    <p:spTree>
-      <p:nvGrpSpPr>
-        <p:cNvPr id="1" name=""/>
-        <p:cNvGrpSpPr/>
-        <p:nvPr/>
-      </p:nvGrpSpPr>
-      <p:grpSpPr/>
-      <p:sp>
-        <p:nvSpPr>
-          <p:cNvPr id="2" name="Text Placeholder 1"/>
-          <p:cNvSpPr>
-            <a:spLocks noGrp="1"/>
-          </p:cNvSpPr>
-          <p:nvPr>
-            <p:ph type="body" idx="10" sz="quarter"/>
-          </p:nvPr>
-        </p:nvSpPr>
-        <p:spPr/>
-        <p:txBody>
-          <a:bodyPr/>
-          <a:lstStyle/>
-          <a:p>
-            <a:r>
-              <a:t>**Slide 18: AI and Machine Learning Key Learnings**</a:t>
-            </a:r>
-          </a:p>
-        </p:txBody>
-      </p:sp>
-      <p:sp>
-        <p:nvSpPr>
-          <p:cNvPr id="3" name="Picture Placeholder 2"/>
-          <p:cNvSpPr>
-            <a:spLocks noGrp="1"/>
-          </p:cNvSpPr>
-          <p:nvPr>
-            <p:ph type="pic" idx="13" sz="quarter"/>
-          </p:nvPr>
-        </p:nvSpPr>
-        <p:spPr/>
-      </p:sp>
-      <p:sp>
-        <p:nvSpPr>
-          <p:cNvPr id="4" name="Text Placeholder 3"/>
-          <p:cNvSpPr>
-            <a:spLocks noGrp="1"/>
-          </p:cNvSpPr>
-          <p:nvPr>
-            <p:ph type="body" idx="14" sz="quarter"/>
-          </p:nvPr>
-        </p:nvSpPr>
-        <p:spPr/>
-        <p:txBody>
-          <a:bodyPr/>
-          <a:lstStyle/>
-          <a:p>
-            <a:pPr/>
-            <a:r>
-              <a:rPr b="1"/>
-              <a:t>Technical AI Lessons:</a:t>
-            </a:r>
-          </a:p>
-          <a:p>
-            <a:pPr lvl="1"/>
-            <a:r>
-              <a:t>Quality training data is more important than quantity</a:t>
-            </a:r>
-          </a:p>
-          <a:p>
-            <a:pPr lvl="1"/>
-            <a:r>
-              <a:t>Azure Document Intelligence pre-built models accelerated development</a:t>
-            </a:r>
-          </a:p>
-          <a:p>
-            <a:pPr lvl="1"/>
-            <a:r>
-              <a:t>Custom model fine-tuning delivered superior domain-specific accuracy</a:t>
-            </a:r>
-          </a:p>
-          <a:p>
-            <a:pPr/>
-            <a:r>
-              <a:rPr b="1"/>
-              <a:t>Process Lessons:</a:t>
-            </a:r>
-          </a:p>
-          <a:p>
-            <a:pPr lvl="1"/>
-            <a:r>
-              <a:t>Iterative model improvement approach was highly effective</a:t>
-            </a:r>
-          </a:p>
-          <a:p>
-            <a:pPr lvl="1"/>
-            <a:r>
-              <a:t>Real-time feedback loops improved model performance continuously</a:t>
-            </a:r>
-          </a:p>
-          <a:p>
-            <a:pPr lvl="1"/>
-            <a:r>
-              <a:t>User acceptance testing critical for AI solution success</a:t>
-            </a:r>
-          </a:p>
-          <a:p>
-            <a:pPr/>
-            <a:r>
-              <a:rPr b="1"/>
-              <a:t>Organizational AI Lessons:</a:t>
-            </a:r>
-          </a:p>
-          <a:p>
-            <a:pPr lvl="1"/>
-            <a:r>
-              <a:t>AI literacy training essential for successful adoption</a:t>
-            </a:r>
-          </a:p>
-          <a:p>
-            <a:pPr lvl="1"/>
-            <a:r>
-              <a:t>Business user involvement in model validation crucial</a:t>
-            </a:r>
-          </a:p>
-          <a:p>
-            <a:pPr lvl="1"/>
-            <a:r>
-              <a:t>Change management even more critical for AI implementations</a:t>
-            </a:r>
-          </a:p>
-        </p:txBody>
-      </p:sp>
-    </p:spTree>
-  </p:cSld>
-  <p:clrMapOvr>
-    <a:masterClrMapping/>
-  </p:clrMapOvr>
-</p:sld>
-</file>
-
-<file path=ppt/slides/slide19.xml><?xml version="1.0" encoding="utf-8"?>
-<p:sld xmlns:a="http://schemas.openxmlformats.org/drawingml/2006/main" xmlns:p="http://schemas.openxmlformats.org/presentationml/2006/main" xmlns:r="http://schemas.openxmlformats.org/officeDocument/2006/relationships">
-  <p:cSld>
-    <p:spTree>
-      <p:nvGrpSpPr>
-        <p:cNvPr id="1" name=""/>
-        <p:cNvGrpSpPr/>
-        <p:nvPr/>
-      </p:nvGrpSpPr>
-      <p:grpSpPr/>
-      <p:sp>
-        <p:nvSpPr>
-          <p:cNvPr id="2" name="Text Placeholder 1"/>
-          <p:cNvSpPr>
-            <a:spLocks noGrp="1"/>
-          </p:cNvSpPr>
-          <p:nvPr>
-            <p:ph type="body" idx="10" sz="quarter"/>
-          </p:nvPr>
-        </p:nvSpPr>
-        <p:spPr/>
-        <p:txBody>
-          <a:bodyPr/>
-          <a:lstStyle/>
-          <a:p>
-            <a:r>
-              <a:t>**Slide 19: Best Practices Established for AI Projects**</a:t>
-            </a:r>
-          </a:p>
-        </p:txBody>
-      </p:sp>
-      <p:sp>
-        <p:nvSpPr>
-          <p:cNvPr id="3" name="Picture Placeholder 2"/>
-          <p:cNvSpPr>
-            <a:spLocks noGrp="1"/>
-          </p:cNvSpPr>
-          <p:nvPr>
-            <p:ph type="pic" idx="13" sz="quarter"/>
-          </p:nvPr>
-        </p:nvSpPr>
-        <p:spPr/>
-      </p:sp>
-      <p:sp>
-        <p:nvSpPr>
-          <p:cNvPr id="4" name="Text Placeholder 3"/>
-          <p:cNvSpPr>
-            <a:spLocks noGrp="1"/>
-          </p:cNvSpPr>
-          <p:nvPr>
-            <p:ph type="body" idx="14" sz="quarter"/>
-          </p:nvPr>
-        </p:nvSpPr>
-        <p:spPr/>
-        <p:txBody>
-          <a:bodyPr/>
-          <a:lstStyle/>
-          <a:p>
-            <a:pPr/>
-            <a:r>
-              <a:rPr b="1"/>
-              <a:t>AI Model Management:</a:t>
-            </a:r>
-            <a:r>
-              <a:t> Established model versioning and performance monitoring</a:t>
-            </a:r>
-          </a:p>
-          <a:p>
-            <a:pPr/>
-            <a:r>
-              <a:rPr b="1"/>
-              <a:t>Data Governance:</a:t>
-            </a:r>
-            <a:r>
-              <a:t> Implemented data quality standards for AI training</a:t>
-            </a:r>
-          </a:p>
-          <a:p>
-            <a:pPr/>
-            <a:r>
-              <a:rPr b="1"/>
-              <a:t>Azure AI Service Standards:</a:t>
-            </a:r>
-            <a:r>
-              <a:t> Standardized approach to Azure Cognitive Services</a:t>
-            </a:r>
-          </a:p>
-          <a:p>
-            <a:pPr/>
-            <a:r>
-              <a:rPr b="1"/>
-              <a:t>Monitoring and Alerting:</a:t>
-            </a:r>
-            <a:r>
-              <a:t> Comprehensive AI model performance monitoring</a:t>
-            </a:r>
-          </a:p>
-          <a:p>
-            <a:pPr/>
-            <a:r>
-              <a:rPr b="1"/>
-              <a:t>Documentation Standards:</a:t>
-            </a:r>
-            <a:r>
-              <a:t> AI-specific documentation requirements established</a:t>
-            </a:r>
-          </a:p>
-        </p:txBody>
-      </p:sp>
-    </p:spTree>
-  </p:cSld>
-  <p:clrMapOvr>
-    <a:masterClrMapping/>
-  </p:clrMapOvr>
-</p:sld>
-</file>
-
-<file path=ppt/slides/slide2.xml><?xml version="1.0" encoding="utf-8"?>
-<p:sld xmlns:a="http://schemas.openxmlformats.org/drawingml/2006/main" xmlns:p="http://schemas.openxmlformats.org/presentationml/2006/main" xmlns:r="http://schemas.openxmlformats.org/officeDocument/2006/relationships">
-  <p:cSld>
-    <p:spTree>
-      <p:nvGrpSpPr>
-        <p:cNvPr id="1" name=""/>
-        <p:cNvGrpSpPr/>
-        <p:nvPr/>
-      </p:nvGrpSpPr>
-      <p:grpSpPr/>
-      <p:sp>
-        <p:nvSpPr>
-          <p:cNvPr id="2" name="Text Placeholder 1"/>
-          <p:cNvSpPr>
-            <a:spLocks noGrp="1"/>
-          </p:cNvSpPr>
-          <p:nvPr>
-            <p:ph type="body" idx="10" sz="quarter"/>
-          </p:nvPr>
-        </p:nvSpPr>
-        <p:spPr/>
-        <p:txBody>
-          <a:bodyPr/>
-          <a:lstStyle/>
-          <a:p>
-            <a:r>
-              <a:t>**Slide 2: Agenda**</a:t>
-            </a:r>
-          </a:p>
-        </p:txBody>
-      </p:sp>
-      <p:sp>
-        <p:nvSpPr>
-          <p:cNvPr id="3" name="Picture Placeholder 2"/>
-          <p:cNvSpPr>
-            <a:spLocks noGrp="1"/>
-          </p:cNvSpPr>
-          <p:nvPr>
-            <p:ph type="pic" idx="13" sz="quarter"/>
-          </p:nvPr>
-        </p:nvSpPr>
-        <p:spPr/>
-      </p:sp>
-      <p:sp>
-        <p:nvSpPr>
-          <p:cNvPr id="4" name="Text Placeholder 3"/>
-          <p:cNvSpPr>
-            <a:spLocks noGrp="1"/>
-          </p:cNvSpPr>
-          <p:nvPr>
-            <p:ph type="body" idx="14" sz="quarter"/>
-          </p:nvPr>
-        </p:nvSpPr>
-        <p:spPr/>
-        <p:txBody>
-          <a:bodyPr/>
-          <a:lstStyle/>
-          <a:p>
-            <a:pPr/>
-            <a:r>
-              <a:t>Project Overview and AI Document Processing Objectives</a:t>
-            </a:r>
-          </a:p>
-          <a:p>
-            <a:pPr/>
-            <a:r>
-              <a:t>Azure Document Intelligence Solution Delivery Summary</a:t>
-            </a:r>
-          </a:p>
-          <a:p>
-            <a:pPr/>
-            <a:r>
-              <a:t>AI-Driven Benefits Realization and Productivity Gains</a:t>
-            </a:r>
-          </a:p>
-          <a:p>
-            <a:pPr/>
-            <a:r>
-              <a:t>Document Processing Transformation Lessons Learned</a:t>
-            </a:r>
-          </a:p>
-          <a:p>
-            <a:pPr/>
-            <a:r>
-              <a:t>Operational Excellence Recommendations and Next Steps</a:t>
-            </a:r>
-          </a:p>
-          <a:p>
-            <a:pPr/>
-            <a:r>
-              <a:t>Team Recognition and AI Innovation Achievement</a:t>
-            </a:r>
-          </a:p>
-          <a:p>
-            <a:pPr/>
-            <a:r>
-              <a:t>Q&amp;A Session</a:t>
-            </a:r>
-          </a:p>
-        </p:txBody>
-      </p:sp>
-    </p:spTree>
-  </p:cSld>
-  <p:clrMapOvr>
-    <a:masterClrMapping/>
-  </p:clrMapOvr>
-</p:sld>
-</file>
-
-<file path=ppt/slides/slide20.xml><?xml version="1.0" encoding="utf-8"?>
-<p:sld xmlns:a="http://schemas.openxmlformats.org/drawingml/2006/main" xmlns:p="http://schemas.openxmlformats.org/presentationml/2006/main" xmlns:r="http://schemas.openxmlformats.org/officeDocument/2006/relationships">
-  <p:cSld>
-    <p:spTree>
-      <p:nvGrpSpPr>
-        <p:cNvPr id="1" name=""/>
-        <p:cNvGrpSpPr/>
-        <p:nvPr/>
-      </p:nvGrpSpPr>
-      <p:grpSpPr/>
-      <p:sp>
-        <p:nvSpPr>
-          <p:cNvPr id="2" name="Text Placeholder 1"/>
-          <p:cNvSpPr>
-            <a:spLocks noGrp="1"/>
-          </p:cNvSpPr>
-          <p:nvPr>
-            <p:ph type="body" idx="10" sz="quarter"/>
-          </p:nvPr>
-        </p:nvSpPr>
-        <p:spPr/>
-        <p:txBody>
-          <a:bodyPr/>
-          <a:lstStyle/>
-          <a:p>
-            <a:r>
-              <a:t>**Slide 20: Immediate AI Operations Recommendations**</a:t>
-            </a:r>
-          </a:p>
-        </p:txBody>
-      </p:sp>
-      <p:sp>
-        <p:nvSpPr>
-          <p:cNvPr id="3" name="Picture Placeholder 2"/>
-          <p:cNvSpPr>
-            <a:spLocks noGrp="1"/>
-          </p:cNvSpPr>
-          <p:nvPr>
-            <p:ph type="pic" idx="13" sz="quarter"/>
-          </p:nvPr>
-        </p:nvSpPr>
-        <p:spPr/>
-      </p:sp>
-      <p:sp>
-        <p:nvSpPr>
-          <p:cNvPr id="4" name="Text Placeholder 3"/>
-          <p:cNvSpPr>
-            <a:spLocks noGrp="1"/>
-          </p:cNvSpPr>
-          <p:nvPr>
-            <p:ph type="body" idx="14" sz="quarter"/>
-          </p:nvPr>
-        </p:nvSpPr>
-        <p:spPr/>
-        <p:txBody>
-          <a:bodyPr/>
-          <a:lstStyle/>
-          <a:p>
-            <a:pPr/>
-            <a:r>
-              <a:rPr b="1"/>
-              <a:t>Model Performance Monitoring:</a:t>
-            </a:r>
-          </a:p>
-          <a:p>
-            <a:pPr lvl="1"/>
-            <a:r>
-              <a:t>Implement continuous accuracy monitoring with Azure ML</a:t>
-            </a:r>
-          </a:p>
-          <a:p>
-            <a:pPr lvl="1"/>
-            <a:r>
-              <a:t>Set up automated retraining triggers for model drift</a:t>
-            </a:r>
-          </a:p>
-          <a:p>
-            <a:pPr lvl="1"/>
-            <a:r>
-              <a:t>Establish performance benchmarking and alerting</a:t>
-            </a:r>
-          </a:p>
-          <a:p>
-            <a:pPr/>
-            <a:r>
-              <a:rPr b="1"/>
-              <a:t>Azure Service Optimization:</a:t>
-            </a:r>
-          </a:p>
-          <a:p>
-            <a:pPr lvl="1"/>
-            <a:r>
-              <a:t>Monitor Azure consumption and optimize costs</a:t>
-            </a:r>
-          </a:p>
-          <a:p>
-            <a:pPr lvl="1"/>
-            <a:r>
-              <a:t>Implement auto-scaling for variable document volumes</a:t>
-            </a:r>
-          </a:p>
-          <a:p>
-            <a:pPr lvl="1"/>
-            <a:r>
-              <a:t>Enhance security monitoring and compliance reporting</a:t>
-            </a:r>
-          </a:p>
-        </p:txBody>
-      </p:sp>
-    </p:spTree>
-  </p:cSld>
-  <p:clrMapOvr>
-    <a:masterClrMapping/>
-  </p:clrMapOvr>
-</p:sld>
-</file>
-
-<file path=ppt/slides/slide21.xml><?xml version="1.0" encoding="utf-8"?>
-<p:sld xmlns:a="http://schemas.openxmlformats.org/drawingml/2006/main" xmlns:p="http://schemas.openxmlformats.org/presentationml/2006/main" xmlns:r="http://schemas.openxmlformats.org/officeDocument/2006/relationships">
-  <p:cSld>
-    <p:spTree>
-      <p:nvGrpSpPr>
-        <p:cNvPr id="1" name=""/>
-        <p:cNvGrpSpPr/>
-        <p:nvPr/>
-      </p:nvGrpSpPr>
-      <p:grpSpPr/>
-      <p:sp>
-        <p:nvSpPr>
-          <p:cNvPr id="2" name="Text Placeholder 1"/>
-          <p:cNvSpPr>
-            <a:spLocks noGrp="1"/>
-          </p:cNvSpPr>
-          <p:nvPr>
-            <p:ph type="body" idx="10" sz="quarter"/>
-          </p:nvPr>
-        </p:nvSpPr>
-        <p:spPr/>
-        <p:txBody>
-          <a:bodyPr/>
-          <a:lstStyle/>
-          <a:p>
-            <a:pPr algn="l"/>
-            <a:r>
-              <a:rPr b="1"/>
-              <a:t>**Slide 21: Future AI Enhancement Opportunities**</a:t>
+              <a:t>**Slide 8: AI-Powered Features Delivered**</a:t>
             </a:r>
           </a:p>
         </p:txBody>
@@ -5412,7 +3853,7 @@
                             <a:srgbClr val="FFFFFF"/>
                           </a:solidFill>
                         </a:rPr>
-                        <a:t>Enhancement</a:t>
+                        <a:t>Feature</a:t>
                       </a:r>
                     </a:p>
                   </a:txBody>
@@ -5454,7 +3895,7 @@
                             <a:srgbClr val="FFFFFF"/>
                           </a:solidFill>
                         </a:rPr>
-                        <a:t>Complexity</a:t>
+                        <a:t>User Impact</a:t>
                       </a:r>
                     </a:p>
                   </a:txBody>
@@ -5475,7 +3916,7 @@
                             <a:srgbClr val="FFFFFF"/>
                           </a:solidFill>
                         </a:rPr>
-                        <a:t>Timeline</a:t>
+                        <a:t>AI Complexity</a:t>
                       </a:r>
                     </a:p>
                   </a:txBody>
@@ -5496,7 +3937,7 @@
                             <a:srgbClr val="FFFFFF"/>
                           </a:solidFill>
                         </a:rPr>
-                        <a:t>Priority</a:t>
+                        <a:t>Status</a:t>
                       </a:r>
                     </a:p>
                   </a:txBody>
@@ -5515,75 +3956,75 @@
                     <a:p>
                       <a:r>
                         <a:rPr sz="1100"/>
-                        <a:t>Contract Analysis AI</a:t>
-                      </a:r>
-                    </a:p>
-                  </a:txBody>
-                  <a:tcPr>
-                    <a:solidFill>
-                      <a:srgbClr val="E7E6E6"/>
-                    </a:solidFill>
-                  </a:tcPr>
-                </a:tc>
-                <a:tc>
-                  <a:txBody>
-                    <a:bodyPr/>
-                    <a:lstStyle/>
-                    <a:p>
-                      <a:r>
-                        <a:rPr sz="1100"/>
-                        <a:t>Legal document processing automation</a:t>
-                      </a:r>
-                    </a:p>
-                  </a:txBody>
-                  <a:tcPr>
-                    <a:solidFill>
-                      <a:srgbClr val="E7E6E6"/>
-                    </a:solidFill>
-                  </a:tcPr>
-                </a:tc>
-                <a:tc>
-                  <a:txBody>
-                    <a:bodyPr/>
-                    <a:lstStyle/>
-                    <a:p>
-                      <a:r>
-                        <a:rPr sz="1100"/>
-                        <a:t>High</a:t>
-                      </a:r>
-                    </a:p>
-                  </a:txBody>
-                  <a:tcPr>
-                    <a:solidFill>
-                      <a:srgbClr val="E7E6E6"/>
-                    </a:solidFill>
-                  </a:tcPr>
-                </a:tc>
-                <a:tc>
-                  <a:txBody>
-                    <a:bodyPr/>
-                    <a:lstStyle/>
-                    <a:p>
-                      <a:r>
-                        <a:rPr sz="1100"/>
-                        <a:t>6-9 months</a:t>
-                      </a:r>
-                    </a:p>
-                  </a:txBody>
-                  <a:tcPr>
-                    <a:solidFill>
-                      <a:srgbClr val="E7E6E6"/>
-                    </a:solidFill>
-                  </a:tcPr>
-                </a:tc>
-                <a:tc>
-                  <a:txBody>
-                    <a:bodyPr/>
-                    <a:lstStyle/>
-                    <a:p>
-                      <a:r>
-                        <a:rPr sz="1100"/>
-                        <a:t>High</a:t>
+                        <a:t>Invoice Processing</a:t>
+                      </a:r>
+                    </a:p>
+                  </a:txBody>
+                  <a:tcPr>
+                    <a:solidFill>
+                      <a:srgbClr val="E7E6E6"/>
+                    </a:solidFill>
+                  </a:tcPr>
+                </a:tc>
+                <a:tc>
+                  <a:txBody>
+                    <a:bodyPr/>
+                    <a:lstStyle/>
+                    <a:p>
+                      <a:r>
+                        <a:rPr sz="1100"/>
+                        <a:t>90% reduction in manual data entry</a:t>
+                      </a:r>
+                    </a:p>
+                  </a:txBody>
+                  <a:tcPr>
+                    <a:solidFill>
+                      <a:srgbClr val="E7E6E6"/>
+                    </a:solidFill>
+                  </a:tcPr>
+                </a:tc>
+                <a:tc>
+                  <a:txBody>
+                    <a:bodyPr/>
+                    <a:lstStyle/>
+                    <a:p>
+                      <a:r>
+                        <a:rPr sz="1100"/>
+                        <a:t>Automated AP workflow</a:t>
+                      </a:r>
+                    </a:p>
+                  </a:txBody>
+                  <a:tcPr>
+                    <a:solidFill>
+                      <a:srgbClr val="E7E6E6"/>
+                    </a:solidFill>
+                  </a:tcPr>
+                </a:tc>
+                <a:tc>
+                  <a:txBody>
+                    <a:bodyPr/>
+                    <a:lstStyle/>
+                    <a:p>
+                      <a:r>
+                        <a:rPr sz="1100"/>
+                        <a:t>High - Custom model training</a:t>
+                      </a:r>
+                    </a:p>
+                  </a:txBody>
+                  <a:tcPr>
+                    <a:solidFill>
+                      <a:srgbClr val="E7E6E6"/>
+                    </a:solidFill>
+                  </a:tcPr>
+                </a:tc>
+                <a:tc>
+                  <a:txBody>
+                    <a:bodyPr/>
+                    <a:lstStyle/>
+                    <a:p>
+                      <a:r>
+                        <a:rPr sz="1100"/>
+                        <a:t>✅ Delivered</a:t>
                       </a:r>
                     </a:p>
                   </a:txBody>
@@ -5602,75 +4043,75 @@
                     <a:p>
                       <a:r>
                         <a:rPr sz="1100"/>
-                        <a:t>Multi-Modal Document AI</a:t>
-                      </a:r>
-                    </a:p>
-                  </a:txBody>
-                  <a:tcPr>
-                    <a:solidFill>
-                      <a:srgbClr val="E7E6E6"/>
-                    </a:solidFill>
-                  </a:tcPr>
-                </a:tc>
-                <a:tc>
-                  <a:txBody>
-                    <a:bodyPr/>
-                    <a:lstStyle/>
-                    <a:p>
-                      <a:r>
-                        <a:rPr sz="1100"/>
-                        <a:t>Image and text processing combined</a:t>
-                      </a:r>
-                    </a:p>
-                  </a:txBody>
-                  <a:tcPr>
-                    <a:solidFill>
-                      <a:srgbClr val="E7E6E6"/>
-                    </a:solidFill>
-                  </a:tcPr>
-                </a:tc>
-                <a:tc>
-                  <a:txBody>
-                    <a:bodyPr/>
-                    <a:lstStyle/>
-                    <a:p>
-                      <a:r>
-                        <a:rPr sz="1100"/>
-                        <a:t>Medium</a:t>
-                      </a:r>
-                    </a:p>
-                  </a:txBody>
-                  <a:tcPr>
-                    <a:solidFill>
-                      <a:srgbClr val="E7E6E6"/>
-                    </a:solidFill>
-                  </a:tcPr>
-                </a:tc>
-                <a:tc>
-                  <a:txBody>
-                    <a:bodyPr/>
-                    <a:lstStyle/>
-                    <a:p>
-                      <a:r>
-                        <a:rPr sz="1100"/>
-                        <a:t>3-6 months</a:t>
-                      </a:r>
-                    </a:p>
-                  </a:txBody>
-                  <a:tcPr>
-                    <a:solidFill>
-                      <a:srgbClr val="E7E6E6"/>
-                    </a:solidFill>
-                  </a:tcPr>
-                </a:tc>
-                <a:tc>
-                  <a:txBody>
-                    <a:bodyPr/>
-                    <a:lstStyle/>
-                    <a:p>
-                      <a:r>
-                        <a:rPr sz="1100"/>
-                        <a:t>Medium</a:t>
+                        <a:t>Receipt Recognition</a:t>
+                      </a:r>
+                    </a:p>
+                  </a:txBody>
+                  <a:tcPr>
+                    <a:solidFill>
+                      <a:srgbClr val="E7E6E6"/>
+                    </a:solidFill>
+                  </a:tcPr>
+                </a:tc>
+                <a:tc>
+                  <a:txBody>
+                    <a:bodyPr/>
+                    <a:lstStyle/>
+                    <a:p>
+                      <a:r>
+                        <a:rPr sz="1100"/>
+                        <a:t>Real-time expense processing</a:t>
+                      </a:r>
+                    </a:p>
+                  </a:txBody>
+                  <a:tcPr>
+                    <a:solidFill>
+                      <a:srgbClr val="E7E6E6"/>
+                    </a:solidFill>
+                  </a:tcPr>
+                </a:tc>
+                <a:tc>
+                  <a:txBody>
+                    <a:bodyPr/>
+                    <a:lstStyle/>
+                    <a:p>
+                      <a:r>
+                        <a:rPr sz="1100"/>
+                        <a:t>Mobile expense capture</a:t>
+                      </a:r>
+                    </a:p>
+                  </a:txBody>
+                  <a:tcPr>
+                    <a:solidFill>
+                      <a:srgbClr val="E7E6E6"/>
+                    </a:solidFill>
+                  </a:tcPr>
+                </a:tc>
+                <a:tc>
+                  <a:txBody>
+                    <a:bodyPr/>
+                    <a:lstStyle/>
+                    <a:p>
+                      <a:r>
+                        <a:rPr sz="1100"/>
+                        <a:t>Medium - Pre-built models</a:t>
+                      </a:r>
+                    </a:p>
+                  </a:txBody>
+                  <a:tcPr>
+                    <a:solidFill>
+                      <a:srgbClr val="E7E6E6"/>
+                    </a:solidFill>
+                  </a:tcPr>
+                </a:tc>
+                <a:tc>
+                  <a:txBody>
+                    <a:bodyPr/>
+                    <a:lstStyle/>
+                    <a:p>
+                      <a:r>
+                        <a:rPr sz="1100"/>
+                        <a:t>✅ Delivered</a:t>
                       </a:r>
                     </a:p>
                   </a:txBody>
@@ -5689,75 +4130,75 @@
                     <a:p>
                       <a:r>
                         <a:rPr sz="1100"/>
-                        <a:t>Predictive Analytics Integration</a:t>
-                      </a:r>
-                    </a:p>
-                  </a:txBody>
-                  <a:tcPr>
-                    <a:solidFill>
-                      <a:srgbClr val="E7E6E6"/>
-                    </a:solidFill>
-                  </a:tcPr>
-                </a:tc>
-                <a:tc>
-                  <a:txBody>
-                    <a:bodyPr/>
-                    <a:lstStyle/>
-                    <a:p>
-                      <a:r>
-                        <a:rPr sz="1100"/>
-                        <a:t>AI-driven business insights</a:t>
-                      </a:r>
-                    </a:p>
-                  </a:txBody>
-                  <a:tcPr>
-                    <a:solidFill>
-                      <a:srgbClr val="E7E6E6"/>
-                    </a:solidFill>
-                  </a:tcPr>
-                </a:tc>
-                <a:tc>
-                  <a:txBody>
-                    <a:bodyPr/>
-                    <a:lstStyle/>
-                    <a:p>
-                      <a:r>
-                        <a:rPr sz="1100"/>
-                        <a:t>High</a:t>
-                      </a:r>
-                    </a:p>
-                  </a:txBody>
-                  <a:tcPr>
-                    <a:solidFill>
-                      <a:srgbClr val="E7E6E6"/>
-                    </a:solidFill>
-                  </a:tcPr>
-                </a:tc>
-                <a:tc>
-                  <a:txBody>
-                    <a:bodyPr/>
-                    <a:lstStyle/>
-                    <a:p>
-                      <a:r>
-                        <a:rPr sz="1100"/>
-                        <a:t>9-12 months</a:t>
-                      </a:r>
-                    </a:p>
-                  </a:txBody>
-                  <a:tcPr>
-                    <a:solidFill>
-                      <a:srgbClr val="E7E6E6"/>
-                    </a:solidFill>
-                  </a:tcPr>
-                </a:tc>
-                <a:tc>
-                  <a:txBody>
-                    <a:bodyPr/>
-                    <a:lstStyle/>
-                    <a:p>
-                      <a:r>
-                        <a:rPr sz="1100"/>
-                        <a:t>Medium</a:t>
+                        <a:t>Form Data Extraction</a:t>
+                      </a:r>
+                    </a:p>
+                  </a:txBody>
+                  <a:tcPr>
+                    <a:solidFill>
+                      <a:srgbClr val="E7E6E6"/>
+                    </a:solidFill>
+                  </a:tcPr>
+                </a:tc>
+                <a:tc>
+                  <a:txBody>
+                    <a:bodyPr/>
+                    <a:lstStyle/>
+                    <a:p>
+                      <a:r>
+                        <a:rPr sz="1100"/>
+                        <a:t>Structured data from unstructured documents</a:t>
+                      </a:r>
+                    </a:p>
+                  </a:txBody>
+                  <a:tcPr>
+                    <a:solidFill>
+                      <a:srgbClr val="E7E6E6"/>
+                    </a:solidFill>
+                  </a:tcPr>
+                </a:tc>
+                <a:tc>
+                  <a:txBody>
+                    <a:bodyPr/>
+                    <a:lstStyle/>
+                    <a:p>
+                      <a:r>
+                        <a:rPr sz="1100"/>
+                        <a:t>Streamlined form processing</a:t>
+                      </a:r>
+                    </a:p>
+                  </a:txBody>
+                  <a:tcPr>
+                    <a:solidFill>
+                      <a:srgbClr val="E7E6E6"/>
+                    </a:solidFill>
+                  </a:tcPr>
+                </a:tc>
+                <a:tc>
+                  <a:txBody>
+                    <a:bodyPr/>
+                    <a:lstStyle/>
+                    <a:p>
+                      <a:r>
+                        <a:rPr sz="1100"/>
+                        <a:t>High - Custom form recognition</a:t>
+                      </a:r>
+                    </a:p>
+                  </a:txBody>
+                  <a:tcPr>
+                    <a:solidFill>
+                      <a:srgbClr val="E7E6E6"/>
+                    </a:solidFill>
+                  </a:tcPr>
+                </a:tc>
+                <a:tc>
+                  <a:txBody>
+                    <a:bodyPr/>
+                    <a:lstStyle/>
+                    <a:p>
+                      <a:r>
+                        <a:rPr sz="1100"/>
+                        <a:t>✅ Delivered</a:t>
                       </a:r>
                     </a:p>
                   </a:txBody>
@@ -5776,7 +4217,7 @@
                     <a:p>
                       <a:r>
                         <a:rPr b="1" sz="1100"/>
-                        <a:t>Azure OpenAI Integration</a:t>
+                        <a:t>Multi-Language Support</a:t>
                       </a:r>
                     </a:p>
                   </a:txBody>
@@ -5793,7 +4234,7 @@
                     <a:p>
                       <a:r>
                         <a:rPr b="1" sz="1100"/>
-                        <a:t>Advanced language understanding</a:t>
+                        <a:t>Global document processing</a:t>
                       </a:r>
                     </a:p>
                   </a:txBody>
@@ -5810,7 +4251,7 @@
                     <a:p>
                       <a:r>
                         <a:rPr b="1" sz="1100"/>
-                        <a:t>Medium</a:t>
+                        <a:t>International operation support</a:t>
                       </a:r>
                     </a:p>
                   </a:txBody>
@@ -5827,7 +4268,7 @@
                     <a:p>
                       <a:r>
                         <a:rPr b="1" sz="1100"/>
-                        <a:t>4-6 months</a:t>
+                        <a:t>Medium - Language detection</a:t>
                       </a:r>
                     </a:p>
                   </a:txBody>
@@ -5844,7 +4285,7 @@
                     <a:p>
                       <a:r>
                         <a:rPr b="1" sz="1100"/>
-                        <a:t>High</a:t>
+                        <a:t>✅ Delivered</a:t>
                       </a:r>
                     </a:p>
                   </a:txBody>
@@ -5859,1791 +4300,6 @@
           </a:graphicData>
         </a:graphic>
       </p:graphicFrame>
-    </p:spTree>
-  </p:cSld>
-  <p:clrMapOvr>
-    <a:masterClrMapping/>
-  </p:clrMapOvr>
-</p:sld>
-</file>
-
-<file path=ppt/slides/slide22.xml><?xml version="1.0" encoding="utf-8"?>
-<p:sld xmlns:a="http://schemas.openxmlformats.org/drawingml/2006/main" xmlns:p="http://schemas.openxmlformats.org/presentationml/2006/main" xmlns:r="http://schemas.openxmlformats.org/officeDocument/2006/relationships">
-  <p:cSld>
-    <p:spTree>
-      <p:nvGrpSpPr>
-        <p:cNvPr id="1" name=""/>
-        <p:cNvGrpSpPr/>
-        <p:nvPr/>
-      </p:nvGrpSpPr>
-      <p:grpSpPr/>
-      <p:sp>
-        <p:nvSpPr>
-          <p:cNvPr id="2" name="Text Placeholder 1"/>
-          <p:cNvSpPr>
-            <a:spLocks noGrp="1"/>
-          </p:cNvSpPr>
-          <p:nvPr>
-            <p:ph type="body" idx="10" sz="quarter"/>
-          </p:nvPr>
-        </p:nvSpPr>
-        <p:spPr/>
-        <p:txBody>
-          <a:bodyPr/>
-          <a:lstStyle/>
-          <a:p>
-            <a:r>
-              <a:t>**Slide 22: Transition to AI Operations**</a:t>
-            </a:r>
-          </a:p>
-        </p:txBody>
-      </p:sp>
-      <p:sp>
-        <p:nvSpPr>
-          <p:cNvPr id="3" name="Picture Placeholder 2"/>
-          <p:cNvSpPr>
-            <a:spLocks noGrp="1"/>
-          </p:cNvSpPr>
-          <p:nvPr>
-            <p:ph type="pic" idx="13" sz="quarter"/>
-          </p:nvPr>
-        </p:nvSpPr>
-        <p:spPr/>
-      </p:sp>
-      <p:sp>
-        <p:nvSpPr>
-          <p:cNvPr id="4" name="Text Placeholder 3"/>
-          <p:cNvSpPr>
-            <a:spLocks noGrp="1"/>
-          </p:cNvSpPr>
-          <p:nvPr>
-            <p:ph type="body" idx="14" sz="quarter"/>
-          </p:nvPr>
-        </p:nvSpPr>
-        <p:spPr/>
-        <p:txBody>
-          <a:bodyPr/>
-          <a:lstStyle/>
-          <a:p>
-            <a:pPr/>
-            <a:r>
-              <a:rPr b="1"/>
-              <a:t>AI Operations Handover:</a:t>
-            </a:r>
-            <a:r>
-              <a:t> Complete transition to Azure AI operations team</a:t>
-            </a:r>
-          </a:p>
-          <a:p>
-            <a:pPr/>
-            <a:r>
-              <a:rPr b="1"/>
-              <a:t>Model Management Process:</a:t>
-            </a:r>
-            <a:r>
-              <a:t> Ongoing model monitoring and retraining procedures</a:t>
-            </a:r>
-          </a:p>
-          <a:p>
-            <a:pPr/>
-            <a:r>
-              <a:rPr b="1"/>
-              <a:t>Performance Optimization:</a:t>
-            </a:r>
-            <a:r>
-              <a:t> Continuous improvement based on usage patterns</a:t>
-            </a:r>
-          </a:p>
-          <a:p>
-            <a:pPr/>
-            <a:r>
-              <a:rPr b="1"/>
-              <a:t>Azure Service Management:</a:t>
-            </a:r>
-            <a:r>
-              <a:t> Cost optimization and capacity planning</a:t>
-            </a:r>
-          </a:p>
-          <a:p>
-            <a:pPr/>
-            <a:r>
-              <a:rPr b="1"/>
-              <a:t>AI Governance:</a:t>
-            </a:r>
-            <a:r>
-              <a:t> Established AI ethics and compliance framework</a:t>
-            </a:r>
-          </a:p>
-        </p:txBody>
-      </p:sp>
-    </p:spTree>
-  </p:cSld>
-  <p:clrMapOvr>
-    <a:masterClrMapping/>
-  </p:clrMapOvr>
-</p:sld>
-</file>
-
-<file path=ppt/slides/slide23.xml><?xml version="1.0" encoding="utf-8"?>
-<p:sld xmlns:a="http://schemas.openxmlformats.org/drawingml/2006/main" xmlns:p="http://schemas.openxmlformats.org/presentationml/2006/main" xmlns:r="http://schemas.openxmlformats.org/officeDocument/2006/relationships">
-  <p:cSld>
-    <p:spTree>
-      <p:nvGrpSpPr>
-        <p:cNvPr id="1" name=""/>
-        <p:cNvGrpSpPr/>
-        <p:nvPr/>
-      </p:nvGrpSpPr>
-      <p:grpSpPr/>
-      <p:sp>
-        <p:nvSpPr>
-          <p:cNvPr id="2" name="Text Placeholder 1"/>
-          <p:cNvSpPr>
-            <a:spLocks noGrp="1"/>
-          </p:cNvSpPr>
-          <p:nvPr>
-            <p:ph type="body" idx="10" sz="quarter"/>
-          </p:nvPr>
-        </p:nvSpPr>
-        <p:spPr/>
-        <p:txBody>
-          <a:bodyPr/>
-          <a:lstStyle/>
-          <a:p>
-            <a:r>
-              <a:t>**Slide 23: AI Implementation Core Team**</a:t>
-            </a:r>
-          </a:p>
-        </p:txBody>
-      </p:sp>
-      <p:sp>
-        <p:nvSpPr>
-          <p:cNvPr id="3" name="Picture Placeholder 2"/>
-          <p:cNvSpPr>
-            <a:spLocks noGrp="1"/>
-          </p:cNvSpPr>
-          <p:nvPr>
-            <p:ph type="pic" idx="13" sz="quarter"/>
-          </p:nvPr>
-        </p:nvSpPr>
-        <p:spPr/>
-      </p:sp>
-      <p:sp>
-        <p:nvSpPr>
-          <p:cNvPr id="4" name="Text Placeholder 3"/>
-          <p:cNvSpPr>
-            <a:spLocks noGrp="1"/>
-          </p:cNvSpPr>
-          <p:nvPr>
-            <p:ph type="body" idx="14" sz="quarter"/>
-          </p:nvPr>
-        </p:nvSpPr>
-        <p:spPr/>
-        <p:txBody>
-          <a:bodyPr/>
-          <a:lstStyle/>
-          <a:p>
-            <a:pPr/>
-            <a:r>
-              <a:rPr b="1"/>
-              <a:t>Project Manager:</a:t>
-            </a:r>
-            <a:r>
-              <a:t> [Name] - Successful AI project delivery and stakeholder management</a:t>
-            </a:r>
-          </a:p>
-          <a:p>
-            <a:pPr/>
-            <a:r>
-              <a:rPr b="1"/>
-              <a:t>AI Solution Architect:</a:t>
-            </a:r>
-            <a:r>
-              <a:t> [Name] - Azure Document Intelligence architecture and optimization</a:t>
-            </a:r>
-          </a:p>
-          <a:p>
-            <a:pPr/>
-            <a:r>
-              <a:rPr b="1"/>
-              <a:t>Machine Learning Engineer:</a:t>
-            </a:r>
-            <a:r>
-              <a:t> [Name] - Custom model development and training</a:t>
-            </a:r>
-          </a:p>
-          <a:p>
-            <a:pPr/>
-            <a:r>
-              <a:rPr b="1"/>
-              <a:t>Azure Integration Specialist:</a:t>
-            </a:r>
-            <a:r>
-              <a:t> [Name] - Seamless Azure service integration</a:t>
-            </a:r>
-          </a:p>
-          <a:p>
-            <a:pPr/>
-            <a:r>
-              <a:rPr b="1"/>
-              <a:t>Business Analyst:</a:t>
-            </a:r>
-            <a:r>
-              <a:t> [Name] - Requirements analysis and process optimization</a:t>
-            </a:r>
-          </a:p>
-          <a:p>
-            <a:pPr/>
-            <a:r>
-              <a:rPr b="1"/>
-              <a:t>Change Management Lead:</a:t>
-            </a:r>
-            <a:r>
-              <a:t> [Name] - User adoption and training excellence</a:t>
-            </a:r>
-          </a:p>
-        </p:txBody>
-      </p:sp>
-    </p:spTree>
-  </p:cSld>
-  <p:clrMapOvr>
-    <a:masterClrMapping/>
-  </p:clrMapOvr>
-</p:sld>
-</file>
-
-<file path=ppt/slides/slide24.xml><?xml version="1.0" encoding="utf-8"?>
-<p:sld xmlns:a="http://schemas.openxmlformats.org/drawingml/2006/main" xmlns:p="http://schemas.openxmlformats.org/presentationml/2006/main" xmlns:r="http://schemas.openxmlformats.org/officeDocument/2006/relationships">
-  <p:cSld>
-    <p:spTree>
-      <p:nvGrpSpPr>
-        <p:cNvPr id="1" name=""/>
-        <p:cNvGrpSpPr/>
-        <p:nvPr/>
-      </p:nvGrpSpPr>
-      <p:grpSpPr/>
-      <p:sp>
-        <p:nvSpPr>
-          <p:cNvPr id="2" name="Text Placeholder 1"/>
-          <p:cNvSpPr>
-            <a:spLocks noGrp="1"/>
-          </p:cNvSpPr>
-          <p:nvPr>
-            <p:ph type="body" idx="10" sz="quarter"/>
-          </p:nvPr>
-        </p:nvSpPr>
-        <p:spPr/>
-        <p:txBody>
-          <a:bodyPr/>
-          <a:lstStyle/>
-          <a:p>
-            <a:r>
-              <a:t>**Slide 24: Extended AI Team Recognition**</a:t>
-            </a:r>
-          </a:p>
-        </p:txBody>
-      </p:sp>
-      <p:sp>
-        <p:nvSpPr>
-          <p:cNvPr id="3" name="Picture Placeholder 2"/>
-          <p:cNvSpPr>
-            <a:spLocks noGrp="1"/>
-          </p:cNvSpPr>
-          <p:nvPr>
-            <p:ph type="pic" idx="13" sz="quarter"/>
-          </p:nvPr>
-        </p:nvSpPr>
-        <p:spPr/>
-      </p:sp>
-      <p:sp>
-        <p:nvSpPr>
-          <p:cNvPr id="4" name="Text Placeholder 3"/>
-          <p:cNvSpPr>
-            <a:spLocks noGrp="1"/>
-          </p:cNvSpPr>
-          <p:nvPr>
-            <p:ph type="body" idx="14" sz="quarter"/>
-          </p:nvPr>
-        </p:nvSpPr>
-        <p:spPr/>
-        <p:txBody>
-          <a:bodyPr/>
-          <a:lstStyle/>
-          <a:p>
-            <a:pPr/>
-            <a:r>
-              <a:rPr b="1"/>
-              <a:t>Data Science Team:</a:t>
-            </a:r>
-            <a:r>
-              <a:t> Model training and validation excellence</a:t>
-            </a:r>
-          </a:p>
-          <a:p>
-            <a:pPr/>
-            <a:r>
-              <a:rPr b="1"/>
-              <a:t>Azure Infrastructure Team:</a:t>
-            </a:r>
-            <a:r>
-              <a:t> Robust cloud foundation and security</a:t>
-            </a:r>
-          </a:p>
-          <a:p>
-            <a:pPr/>
-            <a:r>
-              <a:rPr b="1"/>
-              <a:t>Business Process Owners:</a:t>
-            </a:r>
-            <a:r>
-              <a:t> Domain expertise and user acceptance testing</a:t>
-            </a:r>
-          </a:p>
-          <a:p>
-            <a:pPr/>
-            <a:r>
-              <a:rPr b="1"/>
-              <a:t>IT Security Team:</a:t>
-            </a:r>
-            <a:r>
-              <a:t> AI security and compliance implementation</a:t>
-            </a:r>
-          </a:p>
-          <a:p>
-            <a:pPr/>
-            <a:r>
-              <a:rPr b="1"/>
-              <a:t>Executive AI Sponsors:</a:t>
-            </a:r>
-            <a:r>
-              <a:t> Vision and support for AI transformation</a:t>
-            </a:r>
-          </a:p>
-        </p:txBody>
-      </p:sp>
-    </p:spTree>
-  </p:cSld>
-  <p:clrMapOvr>
-    <a:masterClrMapping/>
-  </p:clrMapOvr>
-</p:sld>
-</file>
-
-<file path=ppt/slides/slide25.xml><?xml version="1.0" encoding="utf-8"?>
-<p:sld xmlns:a="http://schemas.openxmlformats.org/drawingml/2006/main" xmlns:p="http://schemas.openxmlformats.org/presentationml/2006/main" xmlns:r="http://schemas.openxmlformats.org/officeDocument/2006/relationships">
-  <p:cSld>
-    <p:spTree>
-      <p:nvGrpSpPr>
-        <p:cNvPr id="1" name=""/>
-        <p:cNvGrpSpPr/>
-        <p:nvPr/>
-      </p:nvGrpSpPr>
-      <p:grpSpPr/>
-      <p:sp>
-        <p:nvSpPr>
-          <p:cNvPr id="2" name="Text Placeholder 1"/>
-          <p:cNvSpPr>
-            <a:spLocks noGrp="1"/>
-          </p:cNvSpPr>
-          <p:nvPr>
-            <p:ph type="body" idx="10" sz="quarter"/>
-          </p:nvPr>
-        </p:nvSpPr>
-        <p:spPr/>
-        <p:txBody>
-          <a:bodyPr/>
-          <a:lstStyle/>
-          <a:p>
-            <a:r>
-              <a:t>**Slide 25: AI Innovation Success Factors**</a:t>
-            </a:r>
-          </a:p>
-        </p:txBody>
-      </p:sp>
-      <p:sp>
-        <p:nvSpPr>
-          <p:cNvPr id="3" name="Picture Placeholder 2"/>
-          <p:cNvSpPr>
-            <a:spLocks noGrp="1"/>
-          </p:cNvSpPr>
-          <p:nvPr>
-            <p:ph type="pic" idx="13" sz="quarter"/>
-          </p:nvPr>
-        </p:nvSpPr>
-        <p:spPr/>
-      </p:sp>
-      <p:sp>
-        <p:nvSpPr>
-          <p:cNvPr id="4" name="Text Placeholder 3"/>
-          <p:cNvSpPr>
-            <a:spLocks noGrp="1"/>
-          </p:cNvSpPr>
-          <p:nvPr>
-            <p:ph type="body" idx="14" sz="quarter"/>
-          </p:nvPr>
-        </p:nvSpPr>
-        <p:spPr/>
-        <p:txBody>
-          <a:bodyPr/>
-          <a:lstStyle/>
-          <a:p>
-            <a:pPr/>
-            <a:r>
-              <a:rPr b="1"/>
-              <a:t>AI Expertise:</a:t>
-            </a:r>
-            <a:r>
-              <a:t> Deep Azure AI service knowledge and implementation skills</a:t>
-            </a:r>
-          </a:p>
-          <a:p>
-            <a:pPr/>
-            <a:r>
-              <a:rPr b="1"/>
-              <a:t>Business Partnership:</a:t>
-            </a:r>
-            <a:r>
-              <a:t> Strong collaboration between technical and business teams</a:t>
-            </a:r>
-          </a:p>
-          <a:p>
-            <a:pPr/>
-            <a:r>
-              <a:rPr b="1"/>
-              <a:t>Innovation Mindset:</a:t>
-            </a:r>
-            <a:r>
-              <a:t> Willingness to experiment and iterate with AI solutions</a:t>
-            </a:r>
-          </a:p>
-          <a:p>
-            <a:pPr/>
-            <a:r>
-              <a:rPr b="1"/>
-              <a:t>User-Centric Design:</a:t>
-            </a:r>
-            <a:r>
-              <a:t> Focus on practical business value and user experience</a:t>
-            </a:r>
-          </a:p>
-          <a:p>
-            <a:pPr/>
-            <a:r>
-              <a:rPr b="1"/>
-              <a:t>Continuous Learning:</a:t>
-            </a:r>
-            <a:r>
-              <a:t> Commitment to AI model improvement and optimization</a:t>
-            </a:r>
-          </a:p>
-        </p:txBody>
-      </p:sp>
-    </p:spTree>
-  </p:cSld>
-  <p:clrMapOvr>
-    <a:masterClrMapping/>
-  </p:clrMapOvr>
-</p:sld>
-</file>
-
-<file path=ppt/slides/slide26.xml><?xml version="1.0" encoding="utf-8"?>
-<p:sld xmlns:a="http://schemas.openxmlformats.org/drawingml/2006/main" xmlns:p="http://schemas.openxmlformats.org/presentationml/2006/main" xmlns:r="http://schemas.openxmlformats.org/officeDocument/2006/relationships">
-  <p:cSld>
-    <p:spTree>
-      <p:nvGrpSpPr>
-        <p:cNvPr id="1" name=""/>
-        <p:cNvGrpSpPr/>
-        <p:nvPr/>
-      </p:nvGrpSpPr>
-      <p:grpSpPr/>
-      <p:sp>
-        <p:nvSpPr>
-          <p:cNvPr id="2" name="Text Placeholder 1"/>
-          <p:cNvSpPr>
-            <a:spLocks noGrp="1"/>
-          </p:cNvSpPr>
-          <p:nvPr>
-            <p:ph type="body" idx="10" sz="quarter"/>
-          </p:nvPr>
-        </p:nvSpPr>
-        <p:spPr/>
-        <p:txBody>
-          <a:bodyPr/>
-          <a:lstStyle/>
-          <a:p>
-            <a:r>
-              <a:t>**Slide 26: AI Project Success Declaration**</a:t>
-            </a:r>
-          </a:p>
-        </p:txBody>
-      </p:sp>
-      <p:sp>
-        <p:nvSpPr>
-          <p:cNvPr id="3" name="Picture Placeholder 2"/>
-          <p:cNvSpPr>
-            <a:spLocks noGrp="1"/>
-          </p:cNvSpPr>
-          <p:nvPr>
-            <p:ph type="pic" idx="13" sz="quarter"/>
-          </p:nvPr>
-        </p:nvSpPr>
-        <p:spPr/>
-      </p:sp>
-      <p:sp>
-        <p:nvSpPr>
-          <p:cNvPr id="4" name="Text Placeholder 3"/>
-          <p:cNvSpPr>
-            <a:spLocks noGrp="1"/>
-          </p:cNvSpPr>
-          <p:nvPr>
-            <p:ph type="body" idx="14" sz="quarter"/>
-          </p:nvPr>
-        </p:nvSpPr>
-        <p:spPr/>
-        <p:txBody>
-          <a:bodyPr/>
-          <a:lstStyle/>
-          <a:p>
-            <a:pPr/>
-            <a:r>
-              <a:rPr b="1"/>
-              <a:t>AI Objectives Achieved:</a:t>
-            </a:r>
-            <a:r>
-              <a:t> 96%+ accuracy target exceeded with robust automation</a:t>
-            </a:r>
-          </a:p>
-          <a:p>
-            <a:pPr/>
-            <a:r>
-              <a:rPr b="1"/>
-              <a:t>Business Value Delivered:</a:t>
-            </a:r>
-            <a:r>
-              <a:t> 280% ROI with 72% cost reduction achieved</a:t>
-            </a:r>
-          </a:p>
-          <a:p>
-            <a:pPr/>
-            <a:r>
-              <a:rPr b="1"/>
-              <a:t>Technical Excellence:</a:t>
-            </a:r>
-            <a:r>
-              <a:t> Production-ready Azure AI solution with 99.9% uptime</a:t>
-            </a:r>
-          </a:p>
-          <a:p>
-            <a:pPr/>
-            <a:r>
-              <a:rPr b="1"/>
-              <a:t>User Satisfaction:</a:t>
-            </a:r>
-            <a:r>
-              <a:t> 95% user adoption with positive feedback</a:t>
-            </a:r>
-          </a:p>
-          <a:p>
-            <a:pPr/>
-            <a:r>
-              <a:rPr b="1"/>
-              <a:t>On-Time Delivery:</a:t>
-            </a:r>
-            <a:r>
-              <a:t> Delivered on schedule with Azure AI best practices</a:t>
-            </a:r>
-          </a:p>
-        </p:txBody>
-      </p:sp>
-    </p:spTree>
-  </p:cSld>
-  <p:clrMapOvr>
-    <a:masterClrMapping/>
-  </p:clrMapOvr>
-</p:sld>
-</file>
-
-<file path=ppt/slides/slide27.xml><?xml version="1.0" encoding="utf-8"?>
-<p:sld xmlns:a="http://schemas.openxmlformats.org/drawingml/2006/main" xmlns:p="http://schemas.openxmlformats.org/presentationml/2006/main" xmlns:r="http://schemas.openxmlformats.org/officeDocument/2006/relationships">
-  <p:cSld>
-    <p:spTree>
-      <p:nvGrpSpPr>
-        <p:cNvPr id="1" name=""/>
-        <p:cNvGrpSpPr/>
-        <p:nvPr/>
-      </p:nvGrpSpPr>
-      <p:grpSpPr/>
-      <p:sp>
-        <p:nvSpPr>
-          <p:cNvPr id="2" name="Text Placeholder 1"/>
-          <p:cNvSpPr>
-            <a:spLocks noGrp="1"/>
-          </p:cNvSpPr>
-          <p:nvPr>
-            <p:ph type="body" idx="10" sz="quarter"/>
-          </p:nvPr>
-        </p:nvSpPr>
-        <p:spPr/>
-        <p:txBody>
-          <a:bodyPr/>
-          <a:lstStyle/>
-          <a:p>
-            <a:r>
-              <a:t>**Slide 27: Azure Document Intelligence Project Closure**</a:t>
-            </a:r>
-          </a:p>
-        </p:txBody>
-      </p:sp>
-      <p:sp>
-        <p:nvSpPr>
-          <p:cNvPr id="3" name="Picture Placeholder 2"/>
-          <p:cNvSpPr>
-            <a:spLocks noGrp="1"/>
-          </p:cNvSpPr>
-          <p:nvPr>
-            <p:ph type="pic" idx="13" sz="quarter"/>
-          </p:nvPr>
-        </p:nvSpPr>
-        <p:spPr/>
-      </p:sp>
-      <p:sp>
-        <p:nvSpPr>
-          <p:cNvPr id="4" name="Text Placeholder 3"/>
-          <p:cNvSpPr>
-            <a:spLocks noGrp="1"/>
-          </p:cNvSpPr>
-          <p:nvPr>
-            <p:ph type="body" idx="14" sz="quarter"/>
-          </p:nvPr>
-        </p:nvSpPr>
-        <p:spPr/>
-        <p:txBody>
-          <a:bodyPr/>
-          <a:lstStyle/>
-          <a:p>
-            <a:pPr/>
-            <a:r>
-              <a:rPr b="1"/>
-              <a:t>AI Solution Deployed:</a:t>
-            </a:r>
-            <a:r>
-              <a:t> Production Azure Document Intelligence service operational</a:t>
-            </a:r>
-          </a:p>
-          <a:p>
-            <a:pPr/>
-            <a:r>
-              <a:rPr b="1"/>
-              <a:t>Model Performance Validated:</a:t>
-            </a:r>
-            <a:r>
-              <a:t> All accuracy and performance targets exceeded</a:t>
-            </a:r>
-          </a:p>
-          <a:p>
-            <a:pPr/>
-            <a:r>
-              <a:rPr b="1"/>
-              <a:t>Knowledge Transfer Complete:</a:t>
-            </a:r>
-            <a:r>
-              <a:t> AI operations team fully trained and equipped</a:t>
-            </a:r>
-          </a:p>
-          <a:p>
-            <a:pPr/>
-            <a:r>
-              <a:rPr b="1"/>
-              <a:t>Documentation Complete:</a:t>
-            </a:r>
-            <a:r>
-              <a:t> Comprehensive AI solution and operations documentation</a:t>
-            </a:r>
-          </a:p>
-          <a:p>
-            <a:pPr/>
-            <a:r>
-              <a:rPr b="1"/>
-              <a:t>AI Lessons Captured:</a:t>
-            </a:r>
-            <a:r>
-              <a:t> Best practices documented for future AI initiatives</a:t>
-            </a:r>
-          </a:p>
-        </p:txBody>
-      </p:sp>
-    </p:spTree>
-  </p:cSld>
-  <p:clrMapOvr>
-    <a:masterClrMapping/>
-  </p:clrMapOvr>
-</p:sld>
-</file>
-
-<file path=ppt/slides/slide28.xml><?xml version="1.0" encoding="utf-8"?>
-<p:sld xmlns:a="http://schemas.openxmlformats.org/drawingml/2006/main" xmlns:p="http://schemas.openxmlformats.org/presentationml/2006/main" xmlns:r="http://schemas.openxmlformats.org/officeDocument/2006/relationships">
-  <p:cSld>
-    <p:spTree>
-      <p:nvGrpSpPr>
-        <p:cNvPr id="1" name=""/>
-        <p:cNvGrpSpPr/>
-        <p:nvPr/>
-      </p:nvGrpSpPr>
-      <p:grpSpPr/>
-      <p:sp>
-        <p:nvSpPr>
-          <p:cNvPr id="2" name="Picture Placeholder 1"/>
-          <p:cNvSpPr>
-            <a:spLocks noGrp="1"/>
-          </p:cNvSpPr>
-          <p:nvPr>
-            <p:ph type="pic" idx="10" sz="quarter"/>
-          </p:nvPr>
-        </p:nvSpPr>
-        <p:spPr/>
-      </p:sp>
-      <p:sp>
-        <p:nvSpPr>
-          <p:cNvPr id="3" name="Text Placeholder 2"/>
-          <p:cNvSpPr>
-            <a:spLocks noGrp="1"/>
-          </p:cNvSpPr>
-          <p:nvPr>
-            <p:ph type="body" idx="12" sz="quarter"/>
-          </p:nvPr>
-        </p:nvSpPr>
-        <p:spPr/>
-        <p:txBody>
-          <a:bodyPr/>
-          <a:lstStyle/>
-          <a:p>
-            <a:r>
-              <a:t>**Slide 28: Thank You and Q&amp;A**</a:t>
-            </a:r>
-          </a:p>
-        </p:txBody>
-      </p:sp>
-      <p:sp>
-        <p:nvSpPr>
-          <p:cNvPr id="4" name="Picture Placeholder 3"/>
-          <p:cNvSpPr>
-            <a:spLocks noGrp="1"/>
-          </p:cNvSpPr>
-          <p:nvPr>
-            <p:ph type="pic" idx="13" sz="quarter"/>
-          </p:nvPr>
-        </p:nvSpPr>
-        <p:spPr/>
-      </p:sp>
-      <p:sp>
-        <p:nvSpPr>
-          <p:cNvPr id="5" name="Text Placeholder 4"/>
-          <p:cNvSpPr>
-            <a:spLocks noGrp="1"/>
-          </p:cNvSpPr>
-          <p:nvPr>
-            <p:ph type="body" idx="14" sz="quarter"/>
-          </p:nvPr>
-        </p:nvSpPr>
-        <p:spPr/>
-        <p:txBody>
-          <a:bodyPr/>
-          <a:lstStyle/>
-          <a:p/>
-        </p:txBody>
-      </p:sp>
-      <p:sp>
-        <p:nvSpPr>
-          <p:cNvPr id="6" name="Text Placeholder 5"/>
-          <p:cNvSpPr>
-            <a:spLocks noGrp="1"/>
-          </p:cNvSpPr>
-          <p:nvPr>
-            <p:ph type="body" idx="15" sz="quarter"/>
-          </p:nvPr>
-        </p:nvSpPr>
-        <p:spPr/>
-        <p:txBody>
-          <a:bodyPr/>
-          <a:lstStyle/>
-          <a:p>
-            <a:pPr/>
-            <a:r>
-              <a:rPr b="1"/>
-              <a:t>Appreciation:</a:t>
-            </a:r>
-            <a:r>
-              <a:t> Thank you for supporting our AI transformation journey</a:t>
-            </a:r>
-          </a:p>
-          <a:p>
-            <a:pPr/>
-            <a:r>
-              <a:rPr b="1"/>
-              <a:t>Azure AI Contact:</a:t>
-            </a:r>
-            <a:r>
-              <a:t> [Future support and enhancement contact details]</a:t>
-            </a:r>
-          </a:p>
-          <a:p>
-            <a:pPr/>
-            <a:r>
-              <a:rPr b="1"/>
-              <a:t>Q&amp;A Session:</a:t>
-            </a:r>
-            <a:r>
-              <a:t> Questions about Azure Document Intelligence implementation</a:t>
-            </a:r>
-          </a:p>
-          <a:p>
-            <a:pPr/>
-            <a:r>
-              <a:rPr b="1"/>
-              <a:t>AI Roadmap:</a:t>
-            </a:r>
-            <a:r>
-              <a:t> Next steps in our enterprise AI adoption strategy</a:t>
-            </a:r>
-          </a:p>
-        </p:txBody>
-      </p:sp>
-    </p:spTree>
-  </p:cSld>
-  <p:clrMapOvr>
-    <a:masterClrMapping/>
-  </p:clrMapOvr>
-</p:sld>
-</file>
-
-<file path=ppt/slides/slide29.xml><?xml version="1.0" encoding="utf-8"?>
-<p:sld xmlns:a="http://schemas.openxmlformats.org/drawingml/2006/main" xmlns:p="http://schemas.openxmlformats.org/presentationml/2006/main" xmlns:r="http://schemas.openxmlformats.org/officeDocument/2006/relationships">
-  <p:cSld>
-    <p:spTree>
-      <p:nvGrpSpPr>
-        <p:cNvPr id="1" name=""/>
-        <p:cNvGrpSpPr/>
-        <p:nvPr/>
-      </p:nvGrpSpPr>
-      <p:grpSpPr/>
-      <p:sp>
-        <p:nvSpPr>
-          <p:cNvPr id="2" name="Text Placeholder 1"/>
-          <p:cNvSpPr>
-            <a:spLocks noGrp="1"/>
-          </p:cNvSpPr>
-          <p:nvPr>
-            <p:ph type="body" idx="10" sz="quarter"/>
-          </p:nvPr>
-        </p:nvSpPr>
-        <p:spPr/>
-        <p:txBody>
-          <a:bodyPr/>
-          <a:lstStyle/>
-          <a:p>
-            <a:r>
-              <a:t>**Preparation Checklist**</a:t>
-            </a:r>
-          </a:p>
-        </p:txBody>
-      </p:sp>
-      <p:sp>
-        <p:nvSpPr>
-          <p:cNvPr id="3" name="Picture Placeholder 2"/>
-          <p:cNvSpPr>
-            <a:spLocks noGrp="1"/>
-          </p:cNvSpPr>
-          <p:nvPr>
-            <p:ph type="pic" idx="13" sz="quarter"/>
-          </p:nvPr>
-        </p:nvSpPr>
-        <p:spPr/>
-      </p:sp>
-      <p:sp>
-        <p:nvSpPr>
-          <p:cNvPr id="4" name="Text Placeholder 3"/>
-          <p:cNvSpPr>
-            <a:spLocks noGrp="1"/>
-          </p:cNvSpPr>
-          <p:nvPr>
-            <p:ph type="body" idx="14" sz="quarter"/>
-          </p:nvPr>
-        </p:nvSpPr>
-        <p:spPr/>
-        <p:txBody>
-          <a:bodyPr/>
-          <a:lstStyle/>
-          <a:p>
-            <a:pPr/>
-            <a:r>
-              <a:t>[ ] Gather AI model performance metrics and accuracy data</a:t>
-            </a:r>
-          </a:p>
-          <a:p>
-            <a:pPr/>
-            <a:r>
-              <a:t>[ ] Collect user feedback on automated document processing</a:t>
-            </a:r>
-          </a:p>
-          <a:p>
-            <a:pPr/>
-            <a:r>
-              <a:t>[ ] Prepare Azure service cost analysis and ROI calculations</a:t>
-            </a:r>
-          </a:p>
-          <a:p>
-            <a:pPr/>
-            <a:r>
-              <a:t>[ ] Create visual demonstrations of AI capabilities</a:t>
-            </a:r>
-          </a:p>
-          <a:p>
-            <a:pPr/>
-            <a:r>
-              <a:t>[ ] Practice presentation with live AI solution demo</a:t>
-            </a:r>
-          </a:p>
-          <a:p>
-            <a:pPr/>
-            <a:r>
-              <a:t>[ ] Prepare for technical AI questions and scenarios</a:t>
-            </a:r>
-          </a:p>
-          <a:p>
-            <a:pPr/>
-            <a:r>
-              <a:t>[ ] Coordinate with AI team members for technical Q&amp;A support</a:t>
-            </a:r>
-          </a:p>
-        </p:txBody>
-      </p:sp>
-    </p:spTree>
-  </p:cSld>
-  <p:clrMapOvr>
-    <a:masterClrMapping/>
-  </p:clrMapOvr>
-</p:sld>
-</file>
-
-<file path=ppt/slides/slide3.xml><?xml version="1.0" encoding="utf-8"?>
-<p:sld xmlns:a="http://schemas.openxmlformats.org/drawingml/2006/main" xmlns:p="http://schemas.openxmlformats.org/presentationml/2006/main" xmlns:r="http://schemas.openxmlformats.org/officeDocument/2006/relationships">
-  <p:cSld>
-    <p:spTree>
-      <p:nvGrpSpPr>
-        <p:cNvPr id="1" name=""/>
-        <p:cNvGrpSpPr/>
-        <p:nvPr/>
-      </p:nvGrpSpPr>
-      <p:grpSpPr/>
-      <p:sp>
-        <p:nvSpPr>
-          <p:cNvPr id="2" name="Text Placeholder 1"/>
-          <p:cNvSpPr>
-            <a:spLocks noGrp="1"/>
-          </p:cNvSpPr>
-          <p:nvPr>
-            <p:ph type="body" idx="10" sz="quarter"/>
-          </p:nvPr>
-        </p:nvSpPr>
-        <p:spPr/>
-        <p:txBody>
-          <a:bodyPr/>
-          <a:lstStyle/>
-          <a:p>
-            <a:r>
-              <a:t>**Slide 3: Project Charter Recap**</a:t>
-            </a:r>
-          </a:p>
-        </p:txBody>
-      </p:sp>
-      <p:sp>
-        <p:nvSpPr>
-          <p:cNvPr id="3" name="Picture Placeholder 2"/>
-          <p:cNvSpPr>
-            <a:spLocks noGrp="1"/>
-          </p:cNvSpPr>
-          <p:nvPr>
-            <p:ph type="pic" idx="13" sz="quarter"/>
-          </p:nvPr>
-        </p:nvSpPr>
-        <p:spPr/>
-      </p:sp>
-      <p:sp>
-        <p:nvSpPr>
-          <p:cNvPr id="4" name="Text Placeholder 3"/>
-          <p:cNvSpPr>
-            <a:spLocks noGrp="1"/>
-          </p:cNvSpPr>
-          <p:nvPr>
-            <p:ph type="body" idx="14" sz="quarter"/>
-          </p:nvPr>
-        </p:nvSpPr>
-        <p:spPr/>
-        <p:txBody>
-          <a:bodyPr/>
-          <a:lstStyle/>
-          <a:p>
-            <a:pPr/>
-            <a:r>
-              <a:rPr b="1"/>
-              <a:t>Original Business Problem:</a:t>
-            </a:r>
-            <a:r>
-              <a:t> Manual document processing bottlenecks and accuracy issues</a:t>
-            </a:r>
-          </a:p>
-          <a:p>
-            <a:pPr/>
-            <a:r>
-              <a:rPr b="1"/>
-              <a:t>Project Objectives:</a:t>
-            </a:r>
-            <a:r>
-              <a:t> Automate document extraction with 95%+ accuracy using Azure AI</a:t>
-            </a:r>
-          </a:p>
-          <a:p>
-            <a:pPr/>
-            <a:r>
-              <a:rPr b="1"/>
-              <a:t>Success Criteria:</a:t>
-            </a:r>
-            <a:r>
-              <a:t> Process 10x more documents with reduced processing time</a:t>
-            </a:r>
-          </a:p>
-          <a:p>
-            <a:pPr/>
-            <a:r>
-              <a:rPr b="1"/>
-              <a:t>Project Scope:</a:t>
-            </a:r>
-            <a:r>
-              <a:t> Implementation of Azure Document Intelligence for invoice, form, and receipt processing</a:t>
-            </a:r>
-          </a:p>
-          <a:p>
-            <a:pPr/>
-            <a:r>
-              <a:rPr b="1"/>
-              <a:t>Initial Timeline:</a:t>
-            </a:r>
-            <a:r>
-              <a:t> [Original vs. actual timeline for AI solution deployment]</a:t>
-            </a:r>
-          </a:p>
-        </p:txBody>
-      </p:sp>
-    </p:spTree>
-  </p:cSld>
-  <p:clrMapOvr>
-    <a:masterClrMapping/>
-  </p:clrMapOvr>
-</p:sld>
-</file>
-
-<file path=ppt/slides/slide30.xml><?xml version="1.0" encoding="utf-8"?>
-<p:sld xmlns:a="http://schemas.openxmlformats.org/drawingml/2006/main" xmlns:p="http://schemas.openxmlformats.org/presentationml/2006/main" xmlns:r="http://schemas.openxmlformats.org/officeDocument/2006/relationships">
-  <p:cSld>
-    <p:spTree>
-      <p:nvGrpSpPr>
-        <p:cNvPr id="1" name=""/>
-        <p:cNvGrpSpPr/>
-        <p:nvPr/>
-      </p:nvGrpSpPr>
-      <p:grpSpPr/>
-      <p:sp>
-        <p:nvSpPr>
-          <p:cNvPr id="2" name="Text Placeholder 1"/>
-          <p:cNvSpPr>
-            <a:spLocks noGrp="1"/>
-          </p:cNvSpPr>
-          <p:nvPr>
-            <p:ph type="body" idx="10" sz="quarter"/>
-          </p:nvPr>
-        </p:nvSpPr>
-        <p:spPr/>
-        <p:txBody>
-          <a:bodyPr/>
-          <a:lstStyle/>
-          <a:p>
-            <a:r>
-              <a:t>**AI Presentation Best Practices**</a:t>
-            </a:r>
-          </a:p>
-        </p:txBody>
-      </p:sp>
-      <p:sp>
-        <p:nvSpPr>
-          <p:cNvPr id="3" name="Picture Placeholder 2"/>
-          <p:cNvSpPr>
-            <a:spLocks noGrp="1"/>
-          </p:cNvSpPr>
-          <p:nvPr>
-            <p:ph type="pic" idx="13" sz="quarter"/>
-          </p:nvPr>
-        </p:nvSpPr>
-        <p:spPr/>
-      </p:sp>
-      <p:sp>
-        <p:nvSpPr>
-          <p:cNvPr id="4" name="Text Placeholder 3"/>
-          <p:cNvSpPr>
-            <a:spLocks noGrp="1"/>
-          </p:cNvSpPr>
-          <p:nvPr>
-            <p:ph type="body" idx="14" sz="quarter"/>
-          </p:nvPr>
-        </p:nvSpPr>
-        <p:spPr/>
-        <p:txBody>
-          <a:bodyPr/>
-          <a:lstStyle/>
-          <a:p>
-            <a:pPr/>
-            <a:r>
-              <a:rPr b="1"/>
-              <a:t>AI Value First:</a:t>
-            </a:r>
-            <a:r>
-              <a:t> Lead with business transformation achieved through AI</a:t>
-            </a:r>
-          </a:p>
-          <a:p>
-            <a:pPr/>
-            <a:r>
-              <a:rPr b="1"/>
-              <a:t>Data-Driven AI Metrics:</a:t>
-            </a:r>
-            <a:r>
-              <a:t> Use accuracy, performance, and cost metrics</a:t>
-            </a:r>
-          </a:p>
-          <a:p>
-            <a:pPr/>
-            <a:r>
-              <a:rPr b="1"/>
-              <a:t>Live AI Demonstrations:</a:t>
-            </a:r>
-            <a:r>
-              <a:t> Show actual document processing in real-time</a:t>
-            </a:r>
-          </a:p>
-          <a:p>
-            <a:pPr/>
-            <a:r>
-              <a:rPr b="1"/>
-              <a:t>Transformation Story:</a:t>
-            </a:r>
-            <a:r>
-              <a:t> Present as journey from manual to AI-automated processes</a:t>
-            </a:r>
-          </a:p>
-          <a:p>
-            <a:pPr/>
-            <a:r>
-              <a:rPr b="1"/>
-              <a:t>Technical Transparency:</a:t>
-            </a:r>
-            <a:r>
-              <a:t> Acknowledge AI limitations and continuous improvement</a:t>
-            </a:r>
-          </a:p>
-          <a:p>
-            <a:pPr/>
-            <a:r>
-              <a:rPr b="1"/>
-              <a:t>Future AI Vision:</a:t>
-            </a:r>
-            <a:r>
-              <a:t> End with broader AI adoption roadmap</a:t>
-            </a:r>
-          </a:p>
-        </p:txBody>
-      </p:sp>
-    </p:spTree>
-  </p:cSld>
-  <p:clrMapOvr>
-    <a:masterClrMapping/>
-  </p:clrMapOvr>
-</p:sld>
-</file>
-
-<file path=ppt/slides/slide31.xml><?xml version="1.0" encoding="utf-8"?>
-<p:sld xmlns:a="http://schemas.openxmlformats.org/drawingml/2006/main" xmlns:p="http://schemas.openxmlformats.org/presentationml/2006/main" xmlns:r="http://schemas.openxmlformats.org/officeDocument/2006/relationships">
-  <p:cSld>
-    <p:spTree>
-      <p:nvGrpSpPr>
-        <p:cNvPr id="1" name=""/>
-        <p:cNvGrpSpPr/>
-        <p:nvPr/>
-      </p:nvGrpSpPr>
-      <p:grpSpPr/>
-      <p:sp>
-        <p:nvSpPr>
-          <p:cNvPr id="2" name="Text Placeholder 1"/>
-          <p:cNvSpPr>
-            <a:spLocks noGrp="1"/>
-          </p:cNvSpPr>
-          <p:nvPr>
-            <p:ph type="body" idx="10" sz="quarter"/>
-          </p:nvPr>
-        </p:nvSpPr>
-        <p:spPr/>
-        <p:txBody>
-          <a:bodyPr/>
-          <a:lstStyle/>
-          <a:p>
-            <a:r>
-              <a:t>**Audience Engagement for AI Solutions**</a:t>
-            </a:r>
-          </a:p>
-        </p:txBody>
-      </p:sp>
-      <p:sp>
-        <p:nvSpPr>
-          <p:cNvPr id="3" name="Picture Placeholder 2"/>
-          <p:cNvSpPr>
-            <a:spLocks noGrp="1"/>
-          </p:cNvSpPr>
-          <p:nvPr>
-            <p:ph type="pic" idx="13" sz="quarter"/>
-          </p:nvPr>
-        </p:nvSpPr>
-        <p:spPr/>
-      </p:sp>
-      <p:sp>
-        <p:nvSpPr>
-          <p:cNvPr id="4" name="Text Placeholder 3"/>
-          <p:cNvSpPr>
-            <a:spLocks noGrp="1"/>
-          </p:cNvSpPr>
-          <p:nvPr>
-            <p:ph type="body" idx="14" sz="quarter"/>
-          </p:nvPr>
-        </p:nvSpPr>
-        <p:spPr/>
-        <p:txBody>
-          <a:bodyPr/>
-          <a:lstStyle/>
-          <a:p>
-            <a:pPr/>
-            <a:r>
-              <a:rPr b="1"/>
-              <a:t>Interactive AI Demo:</a:t>
-            </a:r>
-            <a:r>
-              <a:t> Live document processing demonstration</a:t>
-            </a:r>
-          </a:p>
-          <a:p>
-            <a:pPr/>
-            <a:r>
-              <a:rPr b="1"/>
-              <a:t>Before/After Comparisons:</a:t>
-            </a:r>
-            <a:r>
-              <a:t> Show manual vs. AI-automated processes</a:t>
-            </a:r>
-          </a:p>
-          <a:p>
-            <a:pPr/>
-            <a:r>
-              <a:rPr b="1"/>
-              <a:t>Real User Stories:</a:t>
-            </a:r>
-            <a:r>
-              <a:t> Share specific examples of productivity improvements</a:t>
-            </a:r>
-          </a:p>
-          <a:p>
-            <a:pPr/>
-            <a:r>
-              <a:rPr b="1"/>
-              <a:t>AI Innovation Recognition:</a:t>
-            </a:r>
-            <a:r>
-              <a:t> Acknowledge the team's AI expertise and innovation</a:t>
-            </a:r>
-          </a:p>
-          <a:p>
-            <a:pPr/>
-            <a:r>
-              <a:rPr b="1"/>
-              <a:t>Clear AI Strategy:</a:t>
-            </a:r>
-            <a:r>
-              <a:t> Define next steps in enterprise AI adoption</a:t>
-            </a:r>
-          </a:p>
-        </p:txBody>
-      </p:sp>
-    </p:spTree>
-  </p:cSld>
-  <p:clrMapOvr>
-    <a:masterClrMapping/>
-  </p:clrMapOvr>
-</p:sld>
-</file>
-
-<file path=ppt/slides/slide32.xml><?xml version="1.0" encoding="utf-8"?>
-<p:sld xmlns:a="http://schemas.openxmlformats.org/drawingml/2006/main" xmlns:p="http://schemas.openxmlformats.org/presentationml/2006/main" xmlns:r="http://schemas.openxmlformats.org/officeDocument/2006/relationships">
-  <p:cSld>
-    <p:spTree>
-      <p:nvGrpSpPr>
-        <p:cNvPr id="1" name=""/>
-        <p:cNvGrpSpPr/>
-        <p:nvPr/>
-      </p:nvGrpSpPr>
-      <p:grpSpPr/>
-      <p:sp>
-        <p:nvSpPr>
-          <p:cNvPr id="2" name="Text Placeholder 1"/>
-          <p:cNvSpPr>
-            <a:spLocks noGrp="1"/>
-          </p:cNvSpPr>
-          <p:nvPr>
-            <p:ph type="body" idx="10" sz="quarter"/>
-          </p:nvPr>
-        </p:nvSpPr>
-        <p:spPr/>
-        <p:txBody>
-          <a:bodyPr/>
-          <a:lstStyle/>
-          <a:p>
-            <a:r>
-              <a:t>**Follow-Up Actions**</a:t>
-            </a:r>
-          </a:p>
-        </p:txBody>
-      </p:sp>
-      <p:sp>
-        <p:nvSpPr>
-          <p:cNvPr id="3" name="Picture Placeholder 2"/>
-          <p:cNvSpPr>
-            <a:spLocks noGrp="1"/>
-          </p:cNvSpPr>
-          <p:nvPr>
-            <p:ph type="pic" idx="13" sz="quarter"/>
-          </p:nvPr>
-        </p:nvSpPr>
-        <p:spPr/>
-      </p:sp>
-      <p:sp>
-        <p:nvSpPr>
-          <p:cNvPr id="4" name="Text Placeholder 3"/>
-          <p:cNvSpPr>
-            <a:spLocks noGrp="1"/>
-          </p:cNvSpPr>
-          <p:nvPr>
-            <p:ph type="body" idx="14" sz="quarter"/>
-          </p:nvPr>
-        </p:nvSpPr>
-        <p:spPr/>
-        <p:txBody>
-          <a:bodyPr/>
-          <a:lstStyle/>
-          <a:p>
-            <a:pPr/>
-            <a:r>
-              <a:t>[ ] Distribute AI solution presentation and technical documentation</a:t>
-            </a:r>
-          </a:p>
-          <a:p>
-            <a:pPr/>
-            <a:r>
-              <a:t>[ ] Send Azure Document Intelligence performance summary report</a:t>
-            </a:r>
-          </a:p>
-          <a:p>
-            <a:pPr/>
-            <a:r>
-              <a:t>[ ] Schedule AI operations transition meetings</a:t>
-            </a:r>
-          </a:p>
-          <a:p>
-            <a:pPr/>
-            <a:r>
-              <a:t>[ ] Document AI lessons learned for future projects</a:t>
-            </a:r>
-          </a:p>
-          <a:p>
-            <a:pPr/>
-            <a:r>
-              <a:t>[ ] Archive AI project documentation and model artifacts</a:t>
-            </a:r>
-          </a:p>
-          <a:p>
-            <a:pPr/>
-            <a:r>
-              <a:t>[ ] Plan AI innovation team celebration and recognition</a:t>
-            </a:r>
-          </a:p>
-        </p:txBody>
-      </p:sp>
-    </p:spTree>
-  </p:cSld>
-  <p:clrMapOvr>
-    <a:masterClrMapping/>
-  </p:clrMapOvr>
-</p:sld>
-</file>
-
-<file path=ppt/slides/slide33.xml><?xml version="1.0" encoding="utf-8"?>
-<p:sld xmlns:a="http://schemas.openxmlformats.org/drawingml/2006/main" xmlns:p="http://schemas.openxmlformats.org/presentationml/2006/main" xmlns:r="http://schemas.openxmlformats.org/officeDocument/2006/relationships">
-  <p:cSld>
-    <p:spTree>
-      <p:nvGrpSpPr>
-        <p:cNvPr id="1" name=""/>
-        <p:cNvGrpSpPr/>
-        <p:nvPr/>
-      </p:nvGrpSpPr>
-      <p:grpSpPr/>
-      <p:sp>
-        <p:nvSpPr>
-          <p:cNvPr id="2" name="Text Placeholder 1"/>
-          <p:cNvSpPr>
-            <a:spLocks noGrp="1"/>
-          </p:cNvSpPr>
-          <p:nvPr>
-            <p:ph type="body" idx="10" sz="quarter"/>
-          </p:nvPr>
-        </p:nvSpPr>
-        <p:spPr/>
-        <p:txBody>
-          <a:bodyPr/>
-          <a:lstStyle/>
-          <a:p>
-            <a:r>
-              <a:t>**A. Azure AI Performance Dashboard**</a:t>
-            </a:r>
-          </a:p>
-        </p:txBody>
-      </p:sp>
-      <p:sp>
-        <p:nvSpPr>
-          <p:cNvPr id="3" name="Picture Placeholder 2"/>
-          <p:cNvSpPr>
-            <a:spLocks noGrp="1"/>
-          </p:cNvSpPr>
-          <p:nvPr>
-            <p:ph type="pic" idx="13" sz="quarter"/>
-          </p:nvPr>
-        </p:nvSpPr>
-        <p:spPr/>
-      </p:sp>
-      <p:sp>
-        <p:nvSpPr>
-          <p:cNvPr id="4" name="Text Placeholder 3"/>
-          <p:cNvSpPr>
-            <a:spLocks noGrp="1"/>
-          </p:cNvSpPr>
-          <p:nvPr>
-            <p:ph type="body" idx="14" sz="quarter"/>
-          </p:nvPr>
-        </p:nvSpPr>
-        <p:spPr/>
-        <p:txBody>
-          <a:bodyPr/>
-          <a:lstStyle/>
-          <a:p>
-            <a:pPr/>
-            <a:r>
-              <a:t>[Include detailed AI model accuracy metrics]</a:t>
-            </a:r>
-          </a:p>
-          <a:p>
-            <a:pPr/>
-            <a:r>
-              <a:t>[Document processing volume and speed trends]</a:t>
-            </a:r>
-          </a:p>
-          <a:p>
-            <a:pPr/>
-            <a:r>
-              <a:t>[User adoption and satisfaction statistics]</a:t>
-            </a:r>
-          </a:p>
-          <a:p>
-            <a:pPr/>
-            <a:r>
-              <a:t>[Azure service consumption and cost analysis]</a:t>
-            </a:r>
-          </a:p>
-        </p:txBody>
-      </p:sp>
-    </p:spTree>
-  </p:cSld>
-  <p:clrMapOvr>
-    <a:masterClrMapping/>
-  </p:clrMapOvr>
-</p:sld>
-</file>
-
-<file path=ppt/slides/slide34.xml><?xml version="1.0" encoding="utf-8"?>
-<p:sld xmlns:a="http://schemas.openxmlformats.org/drawingml/2006/main" xmlns:p="http://schemas.openxmlformats.org/presentationml/2006/main" xmlns:r="http://schemas.openxmlformats.org/officeDocument/2006/relationships">
-  <p:cSld>
-    <p:spTree>
-      <p:nvGrpSpPr>
-        <p:cNvPr id="1" name=""/>
-        <p:cNvGrpSpPr/>
-        <p:nvPr/>
-      </p:nvGrpSpPr>
-      <p:grpSpPr/>
-      <p:sp>
-        <p:nvSpPr>
-          <p:cNvPr id="2" name="Text Placeholder 1"/>
-          <p:cNvSpPr>
-            <a:spLocks noGrp="1"/>
-          </p:cNvSpPr>
-          <p:nvPr>
-            <p:ph type="body" idx="10" sz="quarter"/>
-          </p:nvPr>
-        </p:nvSpPr>
-        <p:spPr/>
-        <p:txBody>
-          <a:bodyPr/>
-          <a:lstStyle/>
-          <a:p>
-            <a:r>
-              <a:t>**B. AI Solution Stakeholder Feedback**</a:t>
-            </a:r>
-          </a:p>
-        </p:txBody>
-      </p:sp>
-      <p:sp>
-        <p:nvSpPr>
-          <p:cNvPr id="3" name="Picture Placeholder 2"/>
-          <p:cNvSpPr>
-            <a:spLocks noGrp="1"/>
-          </p:cNvSpPr>
-          <p:nvPr>
-            <p:ph type="pic" idx="13" sz="quarter"/>
-          </p:nvPr>
-        </p:nvSpPr>
-        <p:spPr/>
-      </p:sp>
-      <p:sp>
-        <p:nvSpPr>
-          <p:cNvPr id="4" name="Text Placeholder 3"/>
-          <p:cNvSpPr>
-            <a:spLocks noGrp="1"/>
-          </p:cNvSpPr>
-          <p:nvPr>
-            <p:ph type="body" idx="14" sz="quarter"/>
-          </p:nvPr>
-        </p:nvSpPr>
-        <p:spPr/>
-        <p:txBody>
-          <a:bodyPr/>
-          <a:lstStyle/>
-          <a:p>
-            <a:pPr/>
-            <a:r>
-              <a:t>[Compiled feedback from business users]</a:t>
-            </a:r>
-          </a:p>
-          <a:p>
-            <a:pPr/>
-            <a:r>
-              <a:t>[AI solution satisfaction surveys]</a:t>
-            </a:r>
-          </a:p>
-          <a:p>
-            <a:pPr/>
-            <a:r>
-              <a:t>[Executive feedback on AI transformation]</a:t>
-            </a:r>
-          </a:p>
-          <a:p>
-            <a:pPr/>
-            <a:r>
-              <a:t>[Suggestions for future AI enhancements]</a:t>
-            </a:r>
-          </a:p>
-        </p:txBody>
-      </p:sp>
-    </p:spTree>
-  </p:cSld>
-  <p:clrMapOvr>
-    <a:masterClrMapping/>
-  </p:clrMapOvr>
-</p:sld>
-</file>
-
-<file path=ppt/slides/slide35.xml><?xml version="1.0" encoding="utf-8"?>
-<p:sld xmlns:a="http://schemas.openxmlformats.org/drawingml/2006/main" xmlns:p="http://schemas.openxmlformats.org/presentationml/2006/main" xmlns:r="http://schemas.openxmlformats.org/officeDocument/2006/relationships">
-  <p:cSld>
-    <p:spTree>
-      <p:nvGrpSpPr>
-        <p:cNvPr id="1" name=""/>
-        <p:cNvGrpSpPr/>
-        <p:nvPr/>
-      </p:nvGrpSpPr>
-      <p:grpSpPr/>
-      <p:sp>
-        <p:nvSpPr>
-          <p:cNvPr id="2" name="Text Placeholder 1"/>
-          <p:cNvSpPr>
-            <a:spLocks noGrp="1"/>
-          </p:cNvSpPr>
-          <p:nvPr>
-            <p:ph type="body" idx="10" sz="quarter"/>
-          </p:nvPr>
-        </p:nvSpPr>
-        <p:spPr/>
-        <p:txBody>
-          <a:bodyPr/>
-          <a:lstStyle/>
-          <a:p>
-            <a:r>
-              <a:t>**C. Azure Document Intelligence Artifacts**</a:t>
-            </a:r>
-          </a:p>
-        </p:txBody>
-      </p:sp>
-      <p:sp>
-        <p:nvSpPr>
-          <p:cNvPr id="3" name="Picture Placeholder 2"/>
-          <p:cNvSpPr>
-            <a:spLocks noGrp="1"/>
-          </p:cNvSpPr>
-          <p:nvPr>
-            <p:ph type="pic" idx="13" sz="quarter"/>
-          </p:nvPr>
-        </p:nvSpPr>
-        <p:spPr/>
-      </p:sp>
-      <p:sp>
-        <p:nvSpPr>
-          <p:cNvPr id="4" name="Text Placeholder 3"/>
-          <p:cNvSpPr>
-            <a:spLocks noGrp="1"/>
-          </p:cNvSpPr>
-          <p:nvPr>
-            <p:ph type="body" idx="14" sz="quarter"/>
-          </p:nvPr>
-        </p:nvSpPr>
-        <p:spPr/>
-        <p:txBody>
-          <a:bodyPr/>
-          <a:lstStyle/>
-          <a:p>
-            <a:pPr/>
-            <a:r>
-              <a:t>[List of all AI solution deliverables]</a:t>
-            </a:r>
-          </a:p>
-          <a:p>
-            <a:pPr/>
-            <a:r>
-              <a:t>[Model training datasets and documentation]</a:t>
-            </a:r>
-          </a:p>
-          <a:p>
-            <a:pPr/>
-            <a:r>
-              <a:t>[API integration guides and code samples]</a:t>
-            </a:r>
-          </a:p>
-          <a:p>
-            <a:pPr/>
-            <a:r>
-              <a:t>[Azure AI service configuration and deployment guides]</a:t>
-            </a:r>
-          </a:p>
-        </p:txBody>
-      </p:sp>
-    </p:spTree>
-  </p:cSld>
-  <p:clrMapOvr>
-    <a:masterClrMapping/>
-  </p:clrMapOvr>
-</p:sld>
-</file>
-
-<file path=ppt/slides/slide36.xml><?xml version="1.0" encoding="utf-8"?>
-<p:sld xmlns:a="http://schemas.openxmlformats.org/drawingml/2006/main" xmlns:p="http://schemas.openxmlformats.org/presentationml/2006/main" xmlns:r="http://schemas.openxmlformats.org/officeDocument/2006/relationships">
-  <p:cSld>
-    <p:spTree>
-      <p:nvGrpSpPr>
-        <p:cNvPr id="1" name=""/>
-        <p:cNvGrpSpPr/>
-        <p:nvPr/>
-      </p:nvGrpSpPr>
-      <p:grpSpPr/>
-      <p:sp>
-        <p:nvSpPr>
-          <p:cNvPr id="2" name="Text Placeholder 1"/>
-          <p:cNvSpPr>
-            <a:spLocks noGrp="1"/>
-          </p:cNvSpPr>
-          <p:nvPr>
-            <p:ph type="body" idx="10" sz="quarter"/>
-          </p:nvPr>
-        </p:nvSpPr>
-        <p:spPr/>
-        <p:txBody>
-          <a:bodyPr/>
-          <a:lstStyle/>
-          <a:p>
-            <a:r>
-              <a:t>**D. AI Operations Transition Documentation**</a:t>
-            </a:r>
-          </a:p>
-        </p:txBody>
-      </p:sp>
-      <p:sp>
-        <p:nvSpPr>
-          <p:cNvPr id="3" name="Picture Placeholder 2"/>
-          <p:cNvSpPr>
-            <a:spLocks noGrp="1"/>
-          </p:cNvSpPr>
-          <p:nvPr>
-            <p:ph type="pic" idx="13" sz="quarter"/>
-          </p:nvPr>
-        </p:nvSpPr>
-        <p:spPr/>
-      </p:sp>
-      <p:sp>
-        <p:nvSpPr>
-          <p:cNvPr id="4" name="Text Placeholder 3"/>
-          <p:cNvSpPr>
-            <a:spLocks noGrp="1"/>
-          </p:cNvSpPr>
-          <p:nvPr>
-            <p:ph type="body" idx="14" sz="quarter"/>
-          </p:nvPr>
-        </p:nvSpPr>
-        <p:spPr/>
-        <p:txBody>
-          <a:bodyPr/>
-          <a:lstStyle/>
-          <a:p>
-            <a:pPr/>
-            <a:r>
-              <a:t>[AI operations handover checklist]</a:t>
-            </a:r>
-          </a:p>
-          <a:p>
-            <a:pPr/>
-            <a:r>
-              <a:t>[Model monitoring and retraining procedures]</a:t>
-            </a:r>
-          </a:p>
-          <a:p>
-            <a:pPr/>
-            <a:r>
-              <a:t>[Azure AI service support contacts]</a:t>
-            </a:r>
-          </a:p>
-          <a:p>
-            <a:pPr/>
-            <a:r>
-              <a:t>[AI solution troubleshooting and escalation procedures]</a:t>
-            </a:r>
-          </a:p>
-        </p:txBody>
-      </p:sp>
     </p:spTree>
   </p:cSld>
   <p:clrMapOvr>
@@ -7680,7 +4336,7 @@
             <a:pPr algn="l"/>
             <a:r>
               <a:rPr b="1"/>
-              <a:t>**Slide 4: Azure Document Intelligence Scope Delivered**</a:t>
+              <a:t>**Slide 12: Business Value Delivered Through AI**</a:t>
             </a:r>
           </a:p>
         </p:txBody>
@@ -7736,7 +4392,7 @@
                             <a:srgbClr val="FFFFFF"/>
                           </a:solidFill>
                         </a:rPr>
-                        <a:t>Scope Element</a:t>
+                        <a:t>Benefit Category</a:t>
                       </a:r>
                     </a:p>
                   </a:txBody>
@@ -7757,7 +4413,7 @@
                             <a:srgbClr val="FFFFFF"/>
                           </a:solidFill>
                         </a:rPr>
-                        <a:t>Planned</a:t>
+                        <a:t>Target</a:t>
                       </a:r>
                     </a:p>
                   </a:txBody>
@@ -7778,7 +4434,7 @@
                             <a:srgbClr val="FFFFFF"/>
                           </a:solidFill>
                         </a:rPr>
-                        <a:t>Delivered</a:t>
+                        <a:t>Achieved</a:t>
                       </a:r>
                     </a:p>
                   </a:txBody>
@@ -7799,7 +4455,7 @@
                             <a:srgbClr val="FFFFFF"/>
                           </a:solidFill>
                         </a:rPr>
-                        <a:t>Status</a:t>
+                        <a:t>Measurement Method</a:t>
                       </a:r>
                     </a:p>
                   </a:txBody>
@@ -7820,7 +4476,7 @@
                             <a:srgbClr val="FFFFFF"/>
                           </a:solidFill>
                         </a:rPr>
-                        <a:t>Notes</a:t>
+                        <a:t>Timeline to Full Benefit</a:t>
                       </a:r>
                     </a:p>
                   </a:txBody>
@@ -7839,75 +4495,75 @@
                     <a:p>
                       <a:r>
                         <a:rPr sz="1100"/>
-                        <a:t>Form Recognition Models</a:t>
-                      </a:r>
-                    </a:p>
-                  </a:txBody>
-                  <a:tcPr>
-                    <a:solidFill>
-                      <a:srgbClr val="E7E6E6"/>
-                    </a:solidFill>
-                  </a:tcPr>
-                </a:tc>
-                <a:tc>
-                  <a:txBody>
-                    <a:bodyPr/>
-                    <a:lstStyle/>
-                    <a:p>
-                      <a:r>
-                        <a:rPr sz="1100"/>
-                        <a:t>Custom models for invoices, receipts</a:t>
-                      </a:r>
-                    </a:p>
-                  </a:txBody>
-                  <a:tcPr>
-                    <a:solidFill>
-                      <a:srgbClr val="E7E6E6"/>
-                    </a:solidFill>
-                  </a:tcPr>
-                </a:tc>
-                <a:tc>
-                  <a:txBody>
-                    <a:bodyPr/>
-                    <a:lstStyle/>
-                    <a:p>
-                      <a:r>
-                        <a:rPr sz="1100"/>
-                        <a:t>Deployed and trained models</a:t>
-                      </a:r>
-                    </a:p>
-                  </a:txBody>
-                  <a:tcPr>
-                    <a:solidFill>
-                      <a:srgbClr val="E7E6E6"/>
-                    </a:solidFill>
-                  </a:tcPr>
-                </a:tc>
-                <a:tc>
-                  <a:txBody>
-                    <a:bodyPr/>
-                    <a:lstStyle/>
-                    <a:p>
-                      <a:r>
-                        <a:rPr sz="1100"/>
-                        <a:t>✅ Complete</a:t>
-                      </a:r>
-                    </a:p>
-                  </a:txBody>
-                  <a:tcPr>
-                    <a:solidFill>
-                      <a:srgbClr val="E7E6E6"/>
-                    </a:solidFill>
-                  </a:tcPr>
-                </a:tc>
-                <a:tc>
-                  <a:txBody>
-                    <a:bodyPr/>
-                    <a:lstStyle/>
-                    <a:p>
-                      <a:r>
-                        <a:rPr sz="1100"/>
-                        <a:t>Achieved 96% accuracy</a:t>
+                        <a:t>Processing Cost Reduction</a:t>
+                      </a:r>
+                    </a:p>
+                  </a:txBody>
+                  <a:tcPr>
+                    <a:solidFill>
+                      <a:srgbClr val="E7E6E6"/>
+                    </a:solidFill>
+                  </a:tcPr>
+                </a:tc>
+                <a:tc>
+                  <a:txBody>
+                    <a:bodyPr/>
+                    <a:lstStyle/>
+                    <a:p>
+                      <a:r>
+                        <a:rPr sz="1100"/>
+                        <a:t>60% cost savings</a:t>
+                      </a:r>
+                    </a:p>
+                  </a:txBody>
+                  <a:tcPr>
+                    <a:solidFill>
+                      <a:srgbClr val="E7E6E6"/>
+                    </a:solidFill>
+                  </a:tcPr>
+                </a:tc>
+                <a:tc>
+                  <a:txBody>
+                    <a:bodyPr/>
+                    <a:lstStyle/>
+                    <a:p>
+                      <a:r>
+                        <a:rPr sz="1100"/>
+                        <a:t>72% actual savings</a:t>
+                      </a:r>
+                    </a:p>
+                  </a:txBody>
+                  <a:tcPr>
+                    <a:solidFill>
+                      <a:srgbClr val="E7E6E6"/>
+                    </a:solidFill>
+                  </a:tcPr>
+                </a:tc>
+                <a:tc>
+                  <a:txBody>
+                    <a:bodyPr/>
+                    <a:lstStyle/>
+                    <a:p>
+                      <a:r>
+                        <a:rPr sz="1100"/>
+                        <a:t>Cost per document processed</a:t>
+                      </a:r>
+                    </a:p>
+                  </a:txBody>
+                  <a:tcPr>
+                    <a:solidFill>
+                      <a:srgbClr val="E7E6E6"/>
+                    </a:solidFill>
+                  </a:tcPr>
+                </a:tc>
+                <a:tc>
+                  <a:txBody>
+                    <a:bodyPr/>
+                    <a:lstStyle/>
+                    <a:p>
+                      <a:r>
+                        <a:rPr sz="1100"/>
+                        <a:t>Immediate</a:t>
                       </a:r>
                     </a:p>
                   </a:txBody>
@@ -7926,75 +4582,75 @@
                     <a:p>
                       <a:r>
                         <a:rPr sz="1100"/>
-                        <a:t>API Integration</a:t>
-                      </a:r>
-                    </a:p>
-                  </a:txBody>
-                  <a:tcPr>
-                    <a:solidFill>
-                      <a:srgbClr val="E7E6E6"/>
-                    </a:solidFill>
-                  </a:tcPr>
-                </a:tc>
-                <a:tc>
-                  <a:txBody>
-                    <a:bodyPr/>
-                    <a:lstStyle/>
-                    <a:p>
-                      <a:r>
-                        <a:rPr sz="1100"/>
-                        <a:t>RESTful API for document processing</a:t>
-                      </a:r>
-                    </a:p>
-                  </a:txBody>
-                  <a:tcPr>
-                    <a:solidFill>
-                      <a:srgbClr val="E7E6E6"/>
-                    </a:solidFill>
-                  </a:tcPr>
-                </a:tc>
-                <a:tc>
-                  <a:txBody>
-                    <a:bodyPr/>
-                    <a:lstStyle/>
-                    <a:p>
-                      <a:r>
-                        <a:rPr sz="1100"/>
-                        <a:t>Full integration with existing systems</a:t>
-                      </a:r>
-                    </a:p>
-                  </a:txBody>
-                  <a:tcPr>
-                    <a:solidFill>
-                      <a:srgbClr val="E7E6E6"/>
-                    </a:solidFill>
-                  </a:tcPr>
-                </a:tc>
-                <a:tc>
-                  <a:txBody>
-                    <a:bodyPr/>
-                    <a:lstStyle/>
-                    <a:p>
-                      <a:r>
-                        <a:rPr sz="1100"/>
-                        <a:t>✅ Complete</a:t>
-                      </a:r>
-                    </a:p>
-                  </a:txBody>
-                  <a:tcPr>
-                    <a:solidFill>
-                      <a:srgbClr val="E7E6E6"/>
-                    </a:solidFill>
-                  </a:tcPr>
-                </a:tc>
-                <a:tc>
-                  <a:txBody>
-                    <a:bodyPr/>
-                    <a:lstStyle/>
-                    <a:p>
-                      <a:r>
-                        <a:rPr sz="1100"/>
-                        <a:t>Real-time processing enabled</a:t>
+                        <a:t>Processing Speed Improvement</a:t>
+                      </a:r>
+                    </a:p>
+                  </a:txBody>
+                  <a:tcPr>
+                    <a:solidFill>
+                      <a:srgbClr val="E7E6E6"/>
+                    </a:solidFill>
+                  </a:tcPr>
+                </a:tc>
+                <a:tc>
+                  <a:txBody>
+                    <a:bodyPr/>
+                    <a:lstStyle/>
+                    <a:p>
+                      <a:r>
+                        <a:rPr sz="1100"/>
+                        <a:t>10x faster processing</a:t>
+                      </a:r>
+                    </a:p>
+                  </a:txBody>
+                  <a:tcPr>
+                    <a:solidFill>
+                      <a:srgbClr val="E7E6E6"/>
+                    </a:solidFill>
+                  </a:tcPr>
+                </a:tc>
+                <a:tc>
+                  <a:txBody>
+                    <a:bodyPr/>
+                    <a:lstStyle/>
+                    <a:p>
+                      <a:r>
+                        <a:rPr sz="1100"/>
+                        <a:t>15x actual improvement</a:t>
+                      </a:r>
+                    </a:p>
+                  </a:txBody>
+                  <a:tcPr>
+                    <a:solidFill>
+                      <a:srgbClr val="E7E6E6"/>
+                    </a:solidFill>
+                  </a:tcPr>
+                </a:tc>
+                <a:tc>
+                  <a:txBody>
+                    <a:bodyPr/>
+                    <a:lstStyle/>
+                    <a:p>
+                      <a:r>
+                        <a:rPr sz="1100"/>
+                        <a:t>Documents per hour</a:t>
+                      </a:r>
+                    </a:p>
+                  </a:txBody>
+                  <a:tcPr>
+                    <a:solidFill>
+                      <a:srgbClr val="E7E6E6"/>
+                    </a:solidFill>
+                  </a:tcPr>
+                </a:tc>
+                <a:tc>
+                  <a:txBody>
+                    <a:bodyPr/>
+                    <a:lstStyle/>
+                    <a:p>
+                      <a:r>
+                        <a:rPr sz="1100"/>
+                        <a:t>Immediate</a:t>
                       </a:r>
                     </a:p>
                   </a:txBody>
@@ -8013,75 +4669,75 @@
                     <a:p>
                       <a:r>
                         <a:rPr sz="1100"/>
-                        <a:t>Cognitive Services Integration</a:t>
-                      </a:r>
-                    </a:p>
-                  </a:txBody>
-                  <a:tcPr>
-                    <a:solidFill>
-                      <a:srgbClr val="E7E6E6"/>
-                    </a:solidFill>
-                  </a:tcPr>
-                </a:tc>
-                <a:tc>
-                  <a:txBody>
-                    <a:bodyPr/>
-                    <a:lstStyle/>
-                    <a:p>
-                      <a:r>
-                        <a:rPr sz="1100"/>
-                        <a:t>Text extraction and analysis</a:t>
-                      </a:r>
-                    </a:p>
-                  </a:txBody>
-                  <a:tcPr>
-                    <a:solidFill>
-                      <a:srgbClr val="E7E6E6"/>
-                    </a:solidFill>
-                  </a:tcPr>
-                </a:tc>
-                <a:tc>
-                  <a:txBody>
-                    <a:bodyPr/>
-                    <a:lstStyle/>
-                    <a:p>
-                      <a:r>
-                        <a:rPr sz="1100"/>
-                        <a:t>Complete OCR and NLP capabilities</a:t>
-                      </a:r>
-                    </a:p>
-                  </a:txBody>
-                  <a:tcPr>
-                    <a:solidFill>
-                      <a:srgbClr val="E7E6E6"/>
-                    </a:solidFill>
-                  </a:tcPr>
-                </a:tc>
-                <a:tc>
-                  <a:txBody>
-                    <a:bodyPr/>
-                    <a:lstStyle/>
-                    <a:p>
-                      <a:r>
-                        <a:rPr sz="1100"/>
-                        <a:t>✅ Complete</a:t>
-                      </a:r>
-                    </a:p>
-                  </a:txBody>
-                  <a:tcPr>
-                    <a:solidFill>
-                      <a:srgbClr val="E7E6E6"/>
-                    </a:solidFill>
-                  </a:tcPr>
-                </a:tc>
-                <a:tc>
-                  <a:txBody>
-                    <a:bodyPr/>
-                    <a:lstStyle/>
-                    <a:p>
-                      <a:r>
-                        <a:rPr sz="1100"/>
-                        <a:t>Multi-language support included</a:t>
+                        <a:t>Accuracy Improvement</a:t>
+                      </a:r>
+                    </a:p>
+                  </a:txBody>
+                  <a:tcPr>
+                    <a:solidFill>
+                      <a:srgbClr val="E7E6E6"/>
+                    </a:solidFill>
+                  </a:tcPr>
+                </a:tc>
+                <a:tc>
+                  <a:txBody>
+                    <a:bodyPr/>
+                    <a:lstStyle/>
+                    <a:p>
+                      <a:r>
+                        <a:rPr sz="1100"/>
+                        <a:t>95% accuracy target</a:t>
+                      </a:r>
+                    </a:p>
+                  </a:txBody>
+                  <a:tcPr>
+                    <a:solidFill>
+                      <a:srgbClr val="E7E6E6"/>
+                    </a:solidFill>
+                  </a:tcPr>
+                </a:tc>
+                <a:tc>
+                  <a:txBody>
+                    <a:bodyPr/>
+                    <a:lstStyle/>
+                    <a:p>
+                      <a:r>
+                        <a:rPr sz="1100"/>
+                        <a:t>96.2% achieved accuracy</a:t>
+                      </a:r>
+                    </a:p>
+                  </a:txBody>
+                  <a:tcPr>
+                    <a:solidFill>
+                      <a:srgbClr val="E7E6E6"/>
+                    </a:solidFill>
+                  </a:tcPr>
+                </a:tc>
+                <a:tc>
+                  <a:txBody>
+                    <a:bodyPr/>
+                    <a:lstStyle/>
+                    <a:p>
+                      <a:r>
+                        <a:rPr sz="1100"/>
+                        <a:t>Error rate reduction</a:t>
+                      </a:r>
+                    </a:p>
+                  </a:txBody>
+                  <a:tcPr>
+                    <a:solidFill>
+                      <a:srgbClr val="E7E6E6"/>
+                    </a:solidFill>
+                  </a:tcPr>
+                </a:tc>
+                <a:tc>
+                  <a:txBody>
+                    <a:bodyPr/>
+                    <a:lstStyle/>
+                    <a:p>
+                      <a:r>
+                        <a:rPr sz="1100"/>
+                        <a:t>Immediate</a:t>
                       </a:r>
                     </a:p>
                   </a:txBody>
@@ -8100,7 +4756,7 @@
                     <a:p>
                       <a:r>
                         <a:rPr b="1" sz="1100"/>
-                        <a:t>Azure Security Implementation</a:t>
+                        <a:t>Staff Productivity</a:t>
                       </a:r>
                     </a:p>
                   </a:txBody>
@@ -8117,7 +4773,7 @@
                     <a:p>
                       <a:r>
                         <a:rPr b="1" sz="1100"/>
-                        <a:t>Data protection and compliance</a:t>
+                        <a:t>50% productivity gain</a:t>
                       </a:r>
                     </a:p>
                   </a:txBody>
@@ -8134,7 +4790,7 @@
                     <a:p>
                       <a:r>
                         <a:rPr b="1" sz="1100"/>
-                        <a:t>End-to-end security with Azure Key Vault</a:t>
+                        <a:t>65% actual gain</a:t>
                       </a:r>
                     </a:p>
                   </a:txBody>
@@ -8151,7 +4807,7 @@
                     <a:p>
                       <a:r>
                         <a:rPr b="1" sz="1100"/>
-                        <a:t>✅ Complete</a:t>
+                        <a:t>Hours saved per week</a:t>
                       </a:r>
                     </a:p>
                   </a:txBody>
@@ -8168,7 +4824,7 @@
                     <a:p>
                       <a:r>
                         <a:rPr b="1" sz="1100"/>
-                        <a:t>GDPR and SOC 2 compliant</a:t>
+                        <a:t>3 months</a:t>
                       </a:r>
                     </a:p>
                   </a:txBody>
@@ -8219,7 +4875,7 @@
             <a:pPr algn="l"/>
             <a:r>
               <a:rPr b="1"/>
-              <a:t>**Slide 5: Project Timeline Summary**</a:t>
+              <a:t>**Slide 17: AI Implementation Challenges Overcome**</a:t>
             </a:r>
           </a:p>
         </p:txBody>
@@ -8236,18 +4892,332 @@
         </p:nvSpPr>
         <p:spPr/>
       </p:sp>
-      <p:sp>
-        <p:nvSpPr>
+      <p:graphicFrame>
+        <p:nvGraphicFramePr>
           <p:cNvPr id="4" name="Table Placeholder 3"/>
-          <p:cNvSpPr>
-            <a:spLocks noGrp="1"/>
-          </p:cNvSpPr>
+          <p:cNvGraphicFramePr>
+            <a:graphicFrameLocks noGrp="1"/>
+          </p:cNvGraphicFramePr>
           <p:nvPr>
             <p:ph type="tbl" idx="14" sz="quarter"/>
           </p:nvPr>
-        </p:nvSpPr>
-        <p:spPr/>
-      </p:sp>
+        </p:nvGraphicFramePr>
+        <p:xfrm>
+          <a:off x="256855" y="677011"/>
+          <a:ext cx="8710930" cy="1483360"/>
+        </p:xfrm>
+        <a:graphic>
+          <a:graphicData uri="http://schemas.openxmlformats.org/drawingml/2006/table">
+            <a:tbl>
+              <a:tblPr firstRow="1" bandRow="1">
+                <a:tableStyleId>{5C22544A-7EE6-4342-B048-85BDC9FD1C3A}</a:tableStyleId>
+              </a:tblPr>
+              <a:tblGrid>
+                <a:gridCol w="1045311"/>
+                <a:gridCol w="2177733"/>
+                <a:gridCol w="1045311"/>
+                <a:gridCol w="4442575"/>
+              </a:tblGrid>
+              <a:tr h="370840">
+                <a:tc>
+                  <a:txBody>
+                    <a:bodyPr/>
+                    <a:lstStyle/>
+                    <a:p>
+                      <a:r>
+                        <a:rPr b="1" sz="1400">
+                          <a:solidFill>
+                            <a:srgbClr val="FFFFFF"/>
+                          </a:solidFill>
+                        </a:rPr>
+                        <a:t>Challenge</a:t>
+                      </a:r>
+                    </a:p>
+                  </a:txBody>
+                  <a:tcPr>
+                    <a:solidFill>
+                      <a:srgbClr val="A01C02"/>
+                    </a:solidFill>
+                  </a:tcPr>
+                </a:tc>
+                <a:tc>
+                  <a:txBody>
+                    <a:bodyPr/>
+                    <a:lstStyle/>
+                    <a:p>
+                      <a:r>
+                        <a:rPr b="1" sz="1400">
+                          <a:solidFill>
+                            <a:srgbClr val="FFFFFF"/>
+                          </a:solidFill>
+                        </a:rPr>
+                        <a:t>Impact</a:t>
+                      </a:r>
+                    </a:p>
+                  </a:txBody>
+                  <a:tcPr>
+                    <a:solidFill>
+                      <a:srgbClr val="A01C02"/>
+                    </a:solidFill>
+                  </a:tcPr>
+                </a:tc>
+                <a:tc>
+                  <a:txBody>
+                    <a:bodyPr/>
+                    <a:lstStyle/>
+                    <a:p>
+                      <a:r>
+                        <a:rPr b="1" sz="1400">
+                          <a:solidFill>
+                            <a:srgbClr val="FFFFFF"/>
+                          </a:solidFill>
+                        </a:rPr>
+                        <a:t>Resolution</a:t>
+                      </a:r>
+                    </a:p>
+                  </a:txBody>
+                  <a:tcPr>
+                    <a:solidFill>
+                      <a:srgbClr val="A01C02"/>
+                    </a:solidFill>
+                  </a:tcPr>
+                </a:tc>
+                <a:tc>
+                  <a:txBody>
+                    <a:bodyPr/>
+                    <a:lstStyle/>
+                    <a:p>
+                      <a:r>
+                        <a:rPr b="1" sz="1400">
+                          <a:solidFill>
+                            <a:srgbClr val="FFFFFF"/>
+                          </a:solidFill>
+                        </a:rPr>
+                        <a:t>Prevention for Future</a:t>
+                      </a:r>
+                    </a:p>
+                  </a:txBody>
+                  <a:tcPr>
+                    <a:solidFill>
+                      <a:srgbClr val="A01C02"/>
+                    </a:solidFill>
+                  </a:tcPr>
+                </a:tc>
+              </a:tr>
+              <a:tr h="370840">
+                <a:tc>
+                  <a:txBody>
+                    <a:bodyPr/>
+                    <a:lstStyle/>
+                    <a:p>
+                      <a:r>
+                        <a:rPr sz="1100"/>
+                        <a:t>Model Training Data Quality</a:t>
+                      </a:r>
+                    </a:p>
+                  </a:txBody>
+                  <a:tcPr>
+                    <a:solidFill>
+                      <a:srgbClr val="E7E6E6"/>
+                    </a:solidFill>
+                  </a:tcPr>
+                </a:tc>
+                <a:tc>
+                  <a:txBody>
+                    <a:bodyPr/>
+                    <a:lstStyle/>
+                    <a:p>
+                      <a:r>
+                        <a:rPr sz="1100"/>
+                        <a:t>Initial accuracy below target</a:t>
+                      </a:r>
+                    </a:p>
+                  </a:txBody>
+                  <a:tcPr>
+                    <a:solidFill>
+                      <a:srgbClr val="E7E6E6"/>
+                    </a:solidFill>
+                  </a:tcPr>
+                </a:tc>
+                <a:tc>
+                  <a:txBody>
+                    <a:bodyPr/>
+                    <a:lstStyle/>
+                    <a:p>
+                      <a:r>
+                        <a:rPr sz="1100"/>
+                        <a:t>Curated high-quality training dataset</a:t>
+                      </a:r>
+                    </a:p>
+                  </a:txBody>
+                  <a:tcPr>
+                    <a:solidFill>
+                      <a:srgbClr val="E7E6E6"/>
+                    </a:solidFill>
+                  </a:tcPr>
+                </a:tc>
+                <a:tc>
+                  <a:txBody>
+                    <a:bodyPr/>
+                    <a:lstStyle/>
+                    <a:p>
+                      <a:r>
+                        <a:rPr sz="1100"/>
+                        <a:t>Establish data quality standards</a:t>
+                      </a:r>
+                    </a:p>
+                  </a:txBody>
+                  <a:tcPr>
+                    <a:solidFill>
+                      <a:srgbClr val="E7E6E6"/>
+                    </a:solidFill>
+                  </a:tcPr>
+                </a:tc>
+              </a:tr>
+              <a:tr h="370840">
+                <a:tc>
+                  <a:txBody>
+                    <a:bodyPr/>
+                    <a:lstStyle/>
+                    <a:p>
+                      <a:r>
+                        <a:rPr sz="1100"/>
+                        <a:t>User Change Resistance</a:t>
+                      </a:r>
+                    </a:p>
+                  </a:txBody>
+                  <a:tcPr>
+                    <a:solidFill>
+                      <a:srgbClr val="E7E6E6"/>
+                    </a:solidFill>
+                  </a:tcPr>
+                </a:tc>
+                <a:tc>
+                  <a:txBody>
+                    <a:bodyPr/>
+                    <a:lstStyle/>
+                    <a:p>
+                      <a:r>
+                        <a:rPr sz="1100"/>
+                        <a:t>Slow initial adoption</a:t>
+                      </a:r>
+                    </a:p>
+                  </a:txBody>
+                  <a:tcPr>
+                    <a:solidFill>
+                      <a:srgbClr val="E7E6E6"/>
+                    </a:solidFill>
+                  </a:tcPr>
+                </a:tc>
+                <a:tc>
+                  <a:txBody>
+                    <a:bodyPr/>
+                    <a:lstStyle/>
+                    <a:p>
+                      <a:r>
+                        <a:rPr sz="1100"/>
+                        <a:t>Comprehensive training and benefits demonstration</a:t>
+                      </a:r>
+                    </a:p>
+                  </a:txBody>
+                  <a:tcPr>
+                    <a:solidFill>
+                      <a:srgbClr val="E7E6E6"/>
+                    </a:solidFill>
+                  </a:tcPr>
+                </a:tc>
+                <a:tc>
+                  <a:txBody>
+                    <a:bodyPr/>
+                    <a:lstStyle/>
+                    <a:p>
+                      <a:r>
+                        <a:rPr sz="1100"/>
+                        <a:t>Early user engagement in AI projects</a:t>
+                      </a:r>
+                    </a:p>
+                  </a:txBody>
+                  <a:tcPr>
+                    <a:solidFill>
+                      <a:srgbClr val="E7E6E6"/>
+                    </a:solidFill>
+                  </a:tcPr>
+                </a:tc>
+              </a:tr>
+              <a:tr h="370840">
+                <a:tc>
+                  <a:txBody>
+                    <a:bodyPr/>
+                    <a:lstStyle/>
+                    <a:p>
+                      <a:r>
+                        <a:rPr b="1" sz="1100"/>
+                        <a:t>API Rate Limiting</a:t>
+                      </a:r>
+                    </a:p>
+                  </a:txBody>
+                  <a:tcPr>
+                    <a:solidFill>
+                      <a:srgbClr val="E7E6E6"/>
+                    </a:solidFill>
+                  </a:tcPr>
+                </a:tc>
+                <a:tc>
+                  <a:txBody>
+                    <a:bodyPr/>
+                    <a:lstStyle/>
+                    <a:p>
+                      <a:r>
+                        <a:rPr b="1" sz="1100"/>
+                        <a:t>Processing bottlenecks during peak loads</a:t>
+                      </a:r>
+                    </a:p>
+                  </a:txBody>
+                  <a:tcPr>
+                    <a:solidFill>
+                      <a:srgbClr val="E7E6E6"/>
+                    </a:solidFill>
+                  </a:tcPr>
+                </a:tc>
+                <a:tc>
+                  <a:txBody>
+                    <a:bodyPr/>
+                    <a:lstStyle/>
+                    <a:p>
+                      <a:r>
+                        <a:rPr b="1" sz="1100"/>
+                        <a:t>Implemented intelligent batching and retry logic</a:t>
+                      </a:r>
+                    </a:p>
+                  </a:txBody>
+                  <a:tcPr>
+                    <a:solidFill>
+                      <a:srgbClr val="E7E6E6"/>
+                    </a:solidFill>
+                  </a:tcPr>
+                </a:tc>
+                <a:tc>
+                  <a:txBody>
+                    <a:bodyPr/>
+                    <a:lstStyle/>
+                    <a:p>
+                      <a:r>
+                        <a:rPr b="1" sz="1100"/>
+                        <a:t>Design for Azure service limits from start</a:t>
+                      </a:r>
+                    </a:p>
+                  </a:txBody>
+                  <a:tcPr>
+                    <a:solidFill>
+                      <a:srgbClr val="E7E6E6"/>
+                    </a:solidFill>
+                  </a:tcPr>
+                </a:tc>
+              </a:tr>
+            </a:tbl>
+          </a:graphicData>
+        </a:graphic>
+      </p:graphicFrame>
     </p:spTree>
   </p:cSld>
   <p:clrMapOvr>
@@ -8281,236 +5251,10 @@
           <a:bodyPr/>
           <a:lstStyle/>
           <a:p>
-            <a:r>
-              <a:t>**Slide 6: Budget and Resource Summary**</a:t>
-            </a:r>
-          </a:p>
-        </p:txBody>
-      </p:sp>
-      <p:sp>
-        <p:nvSpPr>
-          <p:cNvPr id="3" name="Picture Placeholder 2"/>
-          <p:cNvSpPr>
-            <a:spLocks noGrp="1"/>
-          </p:cNvSpPr>
-          <p:nvPr>
-            <p:ph type="pic" idx="13" sz="quarter"/>
-          </p:nvPr>
-        </p:nvSpPr>
-        <p:spPr/>
-      </p:sp>
-      <p:sp>
-        <p:nvSpPr>
-          <p:cNvPr id="4" name="Text Placeholder 3"/>
-          <p:cNvSpPr>
-            <a:spLocks noGrp="1"/>
-          </p:cNvSpPr>
-          <p:nvPr>
-            <p:ph type="body" idx="14" sz="quarter"/>
-          </p:nvPr>
-        </p:nvSpPr>
-        <p:spPr/>
-        <p:txBody>
-          <a:bodyPr/>
-          <a:lstStyle/>
-          <a:p>
-            <a:pPr/>
-            <a:r>
-              <a:rPr b="1"/>
-              <a:t>Total Project Budget:</a:t>
-            </a:r>
-            <a:r>
-              <a:t> [Approved budget including Azure AI services]</a:t>
-            </a:r>
-          </a:p>
-          <a:p>
-            <a:pPr/>
-            <a:r>
-              <a:rPr b="1"/>
-              <a:t>Actual Expenditure:</a:t>
-            </a:r>
-            <a:r>
-              <a:t> [Final cost including Azure consumption]</a:t>
-            </a:r>
-          </a:p>
-          <a:p>
-            <a:pPr/>
-            <a:r>
-              <a:rPr b="1"/>
-              <a:t>Budget Variance:</a:t>
-            </a:r>
-            <a:r>
-              <a:t> [Over/under budget with Azure service cost analysis]</a:t>
-            </a:r>
-          </a:p>
-          <a:p>
-            <a:pPr/>
-            <a:r>
-              <a:rPr b="1"/>
-              <a:t>Resource Utilization:</a:t>
-            </a:r>
-            <a:r>
-              <a:t> [AI/ML specialists and development team effort]</a:t>
-            </a:r>
-          </a:p>
-          <a:p>
-            <a:pPr/>
-            <a:r>
-              <a:rPr b="1"/>
-              <a:t>Azure Service Costs:</a:t>
-            </a:r>
-            <a:r>
-              <a:t> [Ongoing operational costs for Document Intelligence service]</a:t>
-            </a:r>
-          </a:p>
-        </p:txBody>
-      </p:sp>
-    </p:spTree>
-  </p:cSld>
-  <p:clrMapOvr>
-    <a:masterClrMapping/>
-  </p:clrMapOvr>
-</p:sld>
-</file>
-
-<file path=ppt/slides/slide7.xml><?xml version="1.0" encoding="utf-8"?>
-<p:sld xmlns:a="http://schemas.openxmlformats.org/drawingml/2006/main" xmlns:p="http://schemas.openxmlformats.org/presentationml/2006/main" xmlns:r="http://schemas.openxmlformats.org/officeDocument/2006/relationships">
-  <p:cSld>
-    <p:spTree>
-      <p:nvGrpSpPr>
-        <p:cNvPr id="1" name=""/>
-        <p:cNvGrpSpPr/>
-        <p:nvPr/>
-      </p:nvGrpSpPr>
-      <p:grpSpPr/>
-      <p:sp>
-        <p:nvSpPr>
-          <p:cNvPr id="2" name="Text Placeholder 1"/>
-          <p:cNvSpPr>
-            <a:spLocks noGrp="1"/>
-          </p:cNvSpPr>
-          <p:nvPr>
-            <p:ph type="body" idx="10" sz="quarter"/>
-          </p:nvPr>
-        </p:nvSpPr>
-        <p:spPr/>
-        <p:txBody>
-          <a:bodyPr/>
-          <a:lstStyle/>
-          <a:p>
-            <a:r>
-              <a:t>**Slide 7: Solution Architecture Overview**</a:t>
-            </a:r>
-          </a:p>
-        </p:txBody>
-      </p:sp>
-      <p:sp>
-        <p:nvSpPr>
-          <p:cNvPr id="3" name="Picture Placeholder 2"/>
-          <p:cNvSpPr>
-            <a:spLocks noGrp="1"/>
-          </p:cNvSpPr>
-          <p:nvPr>
-            <p:ph type="pic" idx="14" sz="quarter"/>
-          </p:nvPr>
-        </p:nvSpPr>
-        <p:spPr/>
-      </p:sp>
-      <p:sp>
-        <p:nvSpPr>
-          <p:cNvPr id="4" name="Picture Placeholder 3"/>
-          <p:cNvSpPr>
-            <a:spLocks noGrp="1"/>
-          </p:cNvSpPr>
-          <p:nvPr>
-            <p:ph type="pic" idx="15" sz="quarter"/>
-          </p:nvPr>
-        </p:nvSpPr>
-        <p:spPr/>
-      </p:sp>
-      <p:sp>
-        <p:nvSpPr>
-          <p:cNvPr id="5" name="Text Placeholder 4"/>
-          <p:cNvSpPr>
-            <a:spLocks noGrp="1"/>
-          </p:cNvSpPr>
-          <p:nvPr>
-            <p:ph type="body" idx="16" sz="quarter"/>
-          </p:nvPr>
-        </p:nvSpPr>
-        <p:spPr/>
-        <p:txBody>
-          <a:bodyPr/>
-          <a:lstStyle/>
-          <a:p>
-            <a:pPr/>
-            <a:r>
-              <a:t>Azure Document Intelligence service architecture</a:t>
-            </a:r>
-          </a:p>
-          <a:p>
-            <a:pPr/>
-            <a:r>
-              <a:t>Custom form recognizer models and training pipeline</a:t>
-            </a:r>
-          </a:p>
-          <a:p>
-            <a:pPr/>
-            <a:r>
-              <a:t>API Gateway and microservices integration</a:t>
-            </a:r>
-          </a:p>
-          <a:p>
-            <a:pPr/>
-            <a:r>
-              <a:t>Azure Cognitive Services ecosystem integration</a:t>
-            </a:r>
-          </a:p>
-          <a:p>
-            <a:pPr/>
-            <a:r>
-              <a:t>Security architecture with Azure Key Vault and managed identities</a:t>
-            </a:r>
-          </a:p>
-        </p:txBody>
-      </p:sp>
-    </p:spTree>
-  </p:cSld>
-  <p:clrMapOvr>
-    <a:masterClrMapping/>
-  </p:clrMapOvr>
-</p:sld>
-</file>
-
-<file path=ppt/slides/slide8.xml><?xml version="1.0" encoding="utf-8"?>
-<p:sld xmlns:a="http://schemas.openxmlformats.org/drawingml/2006/main" xmlns:p="http://schemas.openxmlformats.org/presentationml/2006/main" xmlns:r="http://schemas.openxmlformats.org/officeDocument/2006/relationships">
-  <p:cSld>
-    <p:spTree>
-      <p:nvGrpSpPr>
-        <p:cNvPr id="1" name=""/>
-        <p:cNvGrpSpPr/>
-        <p:nvPr/>
-      </p:nvGrpSpPr>
-      <p:grpSpPr/>
-      <p:sp>
-        <p:nvSpPr>
-          <p:cNvPr id="2" name="Text Placeholder 1"/>
-          <p:cNvSpPr>
-            <a:spLocks noGrp="1"/>
-          </p:cNvSpPr>
-          <p:nvPr>
-            <p:ph type="body" idx="10" sz="quarter"/>
-          </p:nvPr>
-        </p:nvSpPr>
-        <p:spPr/>
-        <p:txBody>
-          <a:bodyPr/>
-          <a:lstStyle/>
-          <a:p>
             <a:pPr algn="l"/>
             <a:r>
               <a:rPr b="1"/>
-              <a:t>**Slide 8: AI-Powered Features Delivered**</a:t>
+              <a:t>**Slide 21: Future AI Enhancement Opportunities**</a:t>
             </a:r>
           </a:p>
         </p:txBody>
@@ -8566,7 +5310,7 @@
                             <a:srgbClr val="FFFFFF"/>
                           </a:solidFill>
                         </a:rPr>
-                        <a:t>Feature</a:t>
+                        <a:t>Enhancement</a:t>
                       </a:r>
                     </a:p>
                   </a:txBody>
@@ -8608,7 +5352,7 @@
                             <a:srgbClr val="FFFFFF"/>
                           </a:solidFill>
                         </a:rPr>
-                        <a:t>User Impact</a:t>
+                        <a:t>Complexity</a:t>
                       </a:r>
                     </a:p>
                   </a:txBody>
@@ -8629,7 +5373,7 @@
                             <a:srgbClr val="FFFFFF"/>
                           </a:solidFill>
                         </a:rPr>
-                        <a:t>AI Complexity</a:t>
+                        <a:t>Timeline</a:t>
                       </a:r>
                     </a:p>
                   </a:txBody>
@@ -8650,7 +5394,7 @@
                             <a:srgbClr val="FFFFFF"/>
                           </a:solidFill>
                         </a:rPr>
-                        <a:t>Status</a:t>
+                        <a:t>Priority</a:t>
                       </a:r>
                     </a:p>
                   </a:txBody>
@@ -8669,75 +5413,75 @@
                     <a:p>
                       <a:r>
                         <a:rPr sz="1100"/>
-                        <a:t>Invoice Processing</a:t>
-                      </a:r>
-                    </a:p>
-                  </a:txBody>
-                  <a:tcPr>
-                    <a:solidFill>
-                      <a:srgbClr val="E7E6E6"/>
-                    </a:solidFill>
-                  </a:tcPr>
-                </a:tc>
-                <a:tc>
-                  <a:txBody>
-                    <a:bodyPr/>
-                    <a:lstStyle/>
-                    <a:p>
-                      <a:r>
-                        <a:rPr sz="1100"/>
-                        <a:t>90% reduction in manual data entry</a:t>
-                      </a:r>
-                    </a:p>
-                  </a:txBody>
-                  <a:tcPr>
-                    <a:solidFill>
-                      <a:srgbClr val="E7E6E6"/>
-                    </a:solidFill>
-                  </a:tcPr>
-                </a:tc>
-                <a:tc>
-                  <a:txBody>
-                    <a:bodyPr/>
-                    <a:lstStyle/>
-                    <a:p>
-                      <a:r>
-                        <a:rPr sz="1100"/>
-                        <a:t>Automated AP workflow</a:t>
-                      </a:r>
-                    </a:p>
-                  </a:txBody>
-                  <a:tcPr>
-                    <a:solidFill>
-                      <a:srgbClr val="E7E6E6"/>
-                    </a:solidFill>
-                  </a:tcPr>
-                </a:tc>
-                <a:tc>
-                  <a:txBody>
-                    <a:bodyPr/>
-                    <a:lstStyle/>
-                    <a:p>
-                      <a:r>
-                        <a:rPr sz="1100"/>
-                        <a:t>High - Custom model training</a:t>
-                      </a:r>
-                    </a:p>
-                  </a:txBody>
-                  <a:tcPr>
-                    <a:solidFill>
-                      <a:srgbClr val="E7E6E6"/>
-                    </a:solidFill>
-                  </a:tcPr>
-                </a:tc>
-                <a:tc>
-                  <a:txBody>
-                    <a:bodyPr/>
-                    <a:lstStyle/>
-                    <a:p>
-                      <a:r>
-                        <a:rPr sz="1100"/>
-                        <a:t>✅ Delivered</a:t>
+                        <a:t>Contract Analysis AI</a:t>
+                      </a:r>
+                    </a:p>
+                  </a:txBody>
+                  <a:tcPr>
+                    <a:solidFill>
+                      <a:srgbClr val="E7E6E6"/>
+                    </a:solidFill>
+                  </a:tcPr>
+                </a:tc>
+                <a:tc>
+                  <a:txBody>
+                    <a:bodyPr/>
+                    <a:lstStyle/>
+                    <a:p>
+                      <a:r>
+                        <a:rPr sz="1100"/>
+                        <a:t>Legal document processing automation</a:t>
+                      </a:r>
+                    </a:p>
+                  </a:txBody>
+                  <a:tcPr>
+                    <a:solidFill>
+                      <a:srgbClr val="E7E6E6"/>
+                    </a:solidFill>
+                  </a:tcPr>
+                </a:tc>
+                <a:tc>
+                  <a:txBody>
+                    <a:bodyPr/>
+                    <a:lstStyle/>
+                    <a:p>
+                      <a:r>
+                        <a:rPr sz="1100"/>
+                        <a:t>High</a:t>
+                      </a:r>
+                    </a:p>
+                  </a:txBody>
+                  <a:tcPr>
+                    <a:solidFill>
+                      <a:srgbClr val="E7E6E6"/>
+                    </a:solidFill>
+                  </a:tcPr>
+                </a:tc>
+                <a:tc>
+                  <a:txBody>
+                    <a:bodyPr/>
+                    <a:lstStyle/>
+                    <a:p>
+                      <a:r>
+                        <a:rPr sz="1100"/>
+                        <a:t>6-9 months</a:t>
+                      </a:r>
+                    </a:p>
+                  </a:txBody>
+                  <a:tcPr>
+                    <a:solidFill>
+                      <a:srgbClr val="E7E6E6"/>
+                    </a:solidFill>
+                  </a:tcPr>
+                </a:tc>
+                <a:tc>
+                  <a:txBody>
+                    <a:bodyPr/>
+                    <a:lstStyle/>
+                    <a:p>
+                      <a:r>
+                        <a:rPr sz="1100"/>
+                        <a:t>High</a:t>
                       </a:r>
                     </a:p>
                   </a:txBody>
@@ -8756,75 +5500,75 @@
                     <a:p>
                       <a:r>
                         <a:rPr sz="1100"/>
-                        <a:t>Receipt Recognition</a:t>
-                      </a:r>
-                    </a:p>
-                  </a:txBody>
-                  <a:tcPr>
-                    <a:solidFill>
-                      <a:srgbClr val="E7E6E6"/>
-                    </a:solidFill>
-                  </a:tcPr>
-                </a:tc>
-                <a:tc>
-                  <a:txBody>
-                    <a:bodyPr/>
-                    <a:lstStyle/>
-                    <a:p>
-                      <a:r>
-                        <a:rPr sz="1100"/>
-                        <a:t>Real-time expense processing</a:t>
-                      </a:r>
-                    </a:p>
-                  </a:txBody>
-                  <a:tcPr>
-                    <a:solidFill>
-                      <a:srgbClr val="E7E6E6"/>
-                    </a:solidFill>
-                  </a:tcPr>
-                </a:tc>
-                <a:tc>
-                  <a:txBody>
-                    <a:bodyPr/>
-                    <a:lstStyle/>
-                    <a:p>
-                      <a:r>
-                        <a:rPr sz="1100"/>
-                        <a:t>Mobile expense capture</a:t>
-                      </a:r>
-                    </a:p>
-                  </a:txBody>
-                  <a:tcPr>
-                    <a:solidFill>
-                      <a:srgbClr val="E7E6E6"/>
-                    </a:solidFill>
-                  </a:tcPr>
-                </a:tc>
-                <a:tc>
-                  <a:txBody>
-                    <a:bodyPr/>
-                    <a:lstStyle/>
-                    <a:p>
-                      <a:r>
-                        <a:rPr sz="1100"/>
-                        <a:t>Medium - Pre-built models</a:t>
-                      </a:r>
-                    </a:p>
-                  </a:txBody>
-                  <a:tcPr>
-                    <a:solidFill>
-                      <a:srgbClr val="E7E6E6"/>
-                    </a:solidFill>
-                  </a:tcPr>
-                </a:tc>
-                <a:tc>
-                  <a:txBody>
-                    <a:bodyPr/>
-                    <a:lstStyle/>
-                    <a:p>
-                      <a:r>
-                        <a:rPr sz="1100"/>
-                        <a:t>✅ Delivered</a:t>
+                        <a:t>Multi-Modal Document AI</a:t>
+                      </a:r>
+                    </a:p>
+                  </a:txBody>
+                  <a:tcPr>
+                    <a:solidFill>
+                      <a:srgbClr val="E7E6E6"/>
+                    </a:solidFill>
+                  </a:tcPr>
+                </a:tc>
+                <a:tc>
+                  <a:txBody>
+                    <a:bodyPr/>
+                    <a:lstStyle/>
+                    <a:p>
+                      <a:r>
+                        <a:rPr sz="1100"/>
+                        <a:t>Image and text processing combined</a:t>
+                      </a:r>
+                    </a:p>
+                  </a:txBody>
+                  <a:tcPr>
+                    <a:solidFill>
+                      <a:srgbClr val="E7E6E6"/>
+                    </a:solidFill>
+                  </a:tcPr>
+                </a:tc>
+                <a:tc>
+                  <a:txBody>
+                    <a:bodyPr/>
+                    <a:lstStyle/>
+                    <a:p>
+                      <a:r>
+                        <a:rPr sz="1100"/>
+                        <a:t>Medium</a:t>
+                      </a:r>
+                    </a:p>
+                  </a:txBody>
+                  <a:tcPr>
+                    <a:solidFill>
+                      <a:srgbClr val="E7E6E6"/>
+                    </a:solidFill>
+                  </a:tcPr>
+                </a:tc>
+                <a:tc>
+                  <a:txBody>
+                    <a:bodyPr/>
+                    <a:lstStyle/>
+                    <a:p>
+                      <a:r>
+                        <a:rPr sz="1100"/>
+                        <a:t>3-6 months</a:t>
+                      </a:r>
+                    </a:p>
+                  </a:txBody>
+                  <a:tcPr>
+                    <a:solidFill>
+                      <a:srgbClr val="E7E6E6"/>
+                    </a:solidFill>
+                  </a:tcPr>
+                </a:tc>
+                <a:tc>
+                  <a:txBody>
+                    <a:bodyPr/>
+                    <a:lstStyle/>
+                    <a:p>
+                      <a:r>
+                        <a:rPr sz="1100"/>
+                        <a:t>Medium</a:t>
                       </a:r>
                     </a:p>
                   </a:txBody>
@@ -8843,75 +5587,75 @@
                     <a:p>
                       <a:r>
                         <a:rPr sz="1100"/>
-                        <a:t>Form Data Extraction</a:t>
-                      </a:r>
-                    </a:p>
-                  </a:txBody>
-                  <a:tcPr>
-                    <a:solidFill>
-                      <a:srgbClr val="E7E6E6"/>
-                    </a:solidFill>
-                  </a:tcPr>
-                </a:tc>
-                <a:tc>
-                  <a:txBody>
-                    <a:bodyPr/>
-                    <a:lstStyle/>
-                    <a:p>
-                      <a:r>
-                        <a:rPr sz="1100"/>
-                        <a:t>Structured data from unstructured documents</a:t>
-                      </a:r>
-                    </a:p>
-                  </a:txBody>
-                  <a:tcPr>
-                    <a:solidFill>
-                      <a:srgbClr val="E7E6E6"/>
-                    </a:solidFill>
-                  </a:tcPr>
-                </a:tc>
-                <a:tc>
-                  <a:txBody>
-                    <a:bodyPr/>
-                    <a:lstStyle/>
-                    <a:p>
-                      <a:r>
-                        <a:rPr sz="1100"/>
-                        <a:t>Streamlined form processing</a:t>
-                      </a:r>
-                    </a:p>
-                  </a:txBody>
-                  <a:tcPr>
-                    <a:solidFill>
-                      <a:srgbClr val="E7E6E6"/>
-                    </a:solidFill>
-                  </a:tcPr>
-                </a:tc>
-                <a:tc>
-                  <a:txBody>
-                    <a:bodyPr/>
-                    <a:lstStyle/>
-                    <a:p>
-                      <a:r>
-                        <a:rPr sz="1100"/>
-                        <a:t>High - Custom form recognition</a:t>
-                      </a:r>
-                    </a:p>
-                  </a:txBody>
-                  <a:tcPr>
-                    <a:solidFill>
-                      <a:srgbClr val="E7E6E6"/>
-                    </a:solidFill>
-                  </a:tcPr>
-                </a:tc>
-                <a:tc>
-                  <a:txBody>
-                    <a:bodyPr/>
-                    <a:lstStyle/>
-                    <a:p>
-                      <a:r>
-                        <a:rPr sz="1100"/>
-                        <a:t>✅ Delivered</a:t>
+                        <a:t>Predictive Analytics Integration</a:t>
+                      </a:r>
+                    </a:p>
+                  </a:txBody>
+                  <a:tcPr>
+                    <a:solidFill>
+                      <a:srgbClr val="E7E6E6"/>
+                    </a:solidFill>
+                  </a:tcPr>
+                </a:tc>
+                <a:tc>
+                  <a:txBody>
+                    <a:bodyPr/>
+                    <a:lstStyle/>
+                    <a:p>
+                      <a:r>
+                        <a:rPr sz="1100"/>
+                        <a:t>AI-driven business insights</a:t>
+                      </a:r>
+                    </a:p>
+                  </a:txBody>
+                  <a:tcPr>
+                    <a:solidFill>
+                      <a:srgbClr val="E7E6E6"/>
+                    </a:solidFill>
+                  </a:tcPr>
+                </a:tc>
+                <a:tc>
+                  <a:txBody>
+                    <a:bodyPr/>
+                    <a:lstStyle/>
+                    <a:p>
+                      <a:r>
+                        <a:rPr sz="1100"/>
+                        <a:t>High</a:t>
+                      </a:r>
+                    </a:p>
+                  </a:txBody>
+                  <a:tcPr>
+                    <a:solidFill>
+                      <a:srgbClr val="E7E6E6"/>
+                    </a:solidFill>
+                  </a:tcPr>
+                </a:tc>
+                <a:tc>
+                  <a:txBody>
+                    <a:bodyPr/>
+                    <a:lstStyle/>
+                    <a:p>
+                      <a:r>
+                        <a:rPr sz="1100"/>
+                        <a:t>9-12 months</a:t>
+                      </a:r>
+                    </a:p>
+                  </a:txBody>
+                  <a:tcPr>
+                    <a:solidFill>
+                      <a:srgbClr val="E7E6E6"/>
+                    </a:solidFill>
+                  </a:tcPr>
+                </a:tc>
+                <a:tc>
+                  <a:txBody>
+                    <a:bodyPr/>
+                    <a:lstStyle/>
+                    <a:p>
+                      <a:r>
+                        <a:rPr sz="1100"/>
+                        <a:t>Medium</a:t>
                       </a:r>
                     </a:p>
                   </a:txBody>
@@ -8930,7 +5674,7 @@
                     <a:p>
                       <a:r>
                         <a:rPr b="1" sz="1100"/>
-                        <a:t>Multi-Language Support</a:t>
+                        <a:t>Azure OpenAI Integration</a:t>
                       </a:r>
                     </a:p>
                   </a:txBody>
@@ -8947,7 +5691,7 @@
                     <a:p>
                       <a:r>
                         <a:rPr b="1" sz="1100"/>
-                        <a:t>Global document processing</a:t>
+                        <a:t>Advanced language understanding</a:t>
                       </a:r>
                     </a:p>
                   </a:txBody>
@@ -8964,7 +5708,7 @@
                     <a:p>
                       <a:r>
                         <a:rPr b="1" sz="1100"/>
-                        <a:t>International operation support</a:t>
+                        <a:t>Medium</a:t>
                       </a:r>
                     </a:p>
                   </a:txBody>
@@ -8981,7 +5725,7 @@
                     <a:p>
                       <a:r>
                         <a:rPr b="1" sz="1100"/>
-                        <a:t>Medium - Language detection</a:t>
+                        <a:t>4-6 months</a:t>
                       </a:r>
                     </a:p>
                   </a:txBody>
@@ -8998,7 +5742,7 @@
                     <a:p>
                       <a:r>
                         <a:rPr b="1" sz="1100"/>
-                        <a:t>✅ Delivered</a:t>
+                        <a:t>High</a:t>
                       </a:r>
                     </a:p>
                   </a:txBody>
@@ -9013,86 +5757,6 @@
           </a:graphicData>
         </a:graphic>
       </p:graphicFrame>
-    </p:spTree>
-  </p:cSld>
-  <p:clrMapOvr>
-    <a:masterClrMapping/>
-  </p:clrMapOvr>
-</p:sld>
-</file>
-
-<file path=ppt/slides/slide9.xml><?xml version="1.0" encoding="utf-8"?>
-<p:sld xmlns:a="http://schemas.openxmlformats.org/drawingml/2006/main" xmlns:p="http://schemas.openxmlformats.org/presentationml/2006/main" xmlns:r="http://schemas.openxmlformats.org/officeDocument/2006/relationships">
-  <p:cSld>
-    <p:spTree>
-      <p:nvGrpSpPr>
-        <p:cNvPr id="1" name=""/>
-        <p:cNvGrpSpPr/>
-        <p:nvPr/>
-      </p:nvGrpSpPr>
-      <p:grpSpPr/>
-      <p:sp>
-        <p:nvSpPr>
-          <p:cNvPr id="2" name="Text Placeholder 1"/>
-          <p:cNvSpPr>
-            <a:spLocks noGrp="1"/>
-          </p:cNvSpPr>
-          <p:nvPr>
-            <p:ph type="body" idx="10" sz="quarter"/>
-          </p:nvPr>
-        </p:nvSpPr>
-        <p:spPr/>
-        <p:txBody>
-          <a:bodyPr/>
-          <a:lstStyle/>
-          <a:p>
-            <a:r>
-              <a:t>**Slide 9: AI Model Performance Metrics**</a:t>
-            </a:r>
-          </a:p>
-        </p:txBody>
-      </p:sp>
-      <p:sp>
-        <p:nvSpPr>
-          <p:cNvPr id="3" name="Picture Placeholder 2"/>
-          <p:cNvSpPr>
-            <a:spLocks noGrp="1"/>
-          </p:cNvSpPr>
-          <p:nvPr>
-            <p:ph type="pic" idx="14" sz="quarter"/>
-          </p:nvPr>
-        </p:nvSpPr>
-        <p:spPr/>
-      </p:sp>
-      <p:sp>
-        <p:nvSpPr>
-          <p:cNvPr id="4" name="Chart Placeholder 3"/>
-          <p:cNvSpPr>
-            <a:spLocks noGrp="1"/>
-          </p:cNvSpPr>
-          <p:nvPr>
-            <p:ph type="chart" idx="15" sz="quarter"/>
-          </p:nvPr>
-        </p:nvSpPr>
-        <p:spPr/>
-      </p:sp>
-      <p:sp>
-        <p:nvSpPr>
-          <p:cNvPr id="5" name="Content Placeholder 4"/>
-          <p:cNvSpPr>
-            <a:spLocks noGrp="1"/>
-          </p:cNvSpPr>
-          <p:nvPr>
-            <p:ph idx="16" sz="quarter"/>
-          </p:nvPr>
-        </p:nvSpPr>
-        <p:spPr/>
-        <p:txBody>
-          <a:bodyPr/>
-          <a:lstStyle/>
-          <a:p/>
-        </p:txBody>
-      </p:sp>
     </p:spTree>
   </p:cSld>
   <p:clrMapOvr>
